--- a/prezentace.pptx
+++ b/prezentace.pptx
@@ -5,7 +5,7 @@
     <p:sldMasterId id="2147483660" r:id="rId1"/>
   </p:sldMasterIdLst>
   <p:notesMasterIdLst>
-    <p:notesMasterId r:id="rId20"/>
+    <p:notesMasterId r:id="rId21"/>
   </p:notesMasterIdLst>
   <p:sldIdLst>
     <p:sldId id="256" r:id="rId2"/>
@@ -17,15 +17,16 @@
     <p:sldId id="271" r:id="rId8"/>
     <p:sldId id="272" r:id="rId9"/>
     <p:sldId id="273" r:id="rId10"/>
-    <p:sldId id="259" r:id="rId11"/>
-    <p:sldId id="274" r:id="rId12"/>
-    <p:sldId id="275" r:id="rId13"/>
-    <p:sldId id="276" r:id="rId14"/>
-    <p:sldId id="277" r:id="rId15"/>
-    <p:sldId id="278" r:id="rId16"/>
-    <p:sldId id="279" r:id="rId17"/>
-    <p:sldId id="280" r:id="rId18"/>
-    <p:sldId id="267" r:id="rId19"/>
+    <p:sldId id="281" r:id="rId11"/>
+    <p:sldId id="259" r:id="rId12"/>
+    <p:sldId id="274" r:id="rId13"/>
+    <p:sldId id="275" r:id="rId14"/>
+    <p:sldId id="276" r:id="rId15"/>
+    <p:sldId id="277" r:id="rId16"/>
+    <p:sldId id="278" r:id="rId17"/>
+    <p:sldId id="279" r:id="rId18"/>
+    <p:sldId id="280" r:id="rId19"/>
+    <p:sldId id="267" r:id="rId20"/>
   </p:sldIdLst>
   <p:sldSz cx="9144000" cy="6858000" type="screen4x3"/>
   <p:notesSz cx="6858000" cy="9144000"/>
@@ -124,6 +125,22 @@
       </a:defRPr>
     </a:lvl9pPr>
   </p:defaultTextStyle>
+  <p:extLst>
+    <p:ext uri="{EFAFB233-063F-42B5-8137-9DF3F51BA10A}">
+      <p15:sldGuideLst xmlns:p15="http://schemas.microsoft.com/office/powerpoint/2012/main">
+        <p15:guide id="1" orient="horz" pos="2160">
+          <p15:clr>
+            <a:srgbClr val="A4A3A4"/>
+          </p15:clr>
+        </p15:guide>
+        <p15:guide id="2" pos="2880">
+          <p15:clr>
+            <a:srgbClr val="A4A3A4"/>
+          </p15:clr>
+        </p15:guide>
+      </p15:sldGuideLst>
+    </p:ext>
+  </p:extLst>
 </p:presentation>
 </file>
 
@@ -377,6 +394,11 @@
         </p:txBody>
       </p:sp>
     </p:spTree>
+    <p:extLst>
+      <p:ext uri="{BB962C8B-B14F-4D97-AF65-F5344CB8AC3E}">
+        <p14:creationId xmlns:p14="http://schemas.microsoft.com/office/powerpoint/2010/main" val="47929628"/>
+      </p:ext>
+    </p:extLst>
   </p:cSld>
   <p:clrMap bg1="lt1" tx1="dk1" bg2="lt2" tx2="dk2" accent1="accent1" accent2="accent2" accent3="accent3" accent4="accent4" accent5="accent5" accent6="accent6" hlink="hlink" folHlink="folHlink"/>
   <p:notesStyle>
@@ -4358,6 +4380,210 @@
           <a:lstStyle/>
           <a:p>
             <a:r>
+              <a:rPr lang="en-US" dirty="0" err="1" smtClean="0"/>
+              <a:t>Databaze</a:t>
+            </a:r>
+            <a:endParaRPr lang="sk-SK" dirty="0"/>
+          </a:p>
+        </p:txBody>
+      </p:sp>
+      <p:sp>
+        <p:nvSpPr>
+          <p:cNvPr id="3" name="Zástupný symbol obsahu 2"/>
+          <p:cNvSpPr>
+            <a:spLocks noGrp="1"/>
+          </p:cNvSpPr>
+          <p:nvPr>
+            <p:ph idx="1"/>
+          </p:nvPr>
+        </p:nvSpPr>
+        <p:spPr/>
+        <p:txBody>
+          <a:bodyPr/>
+          <a:lstStyle/>
+          <a:p>
+            <a:r>
+              <a:rPr lang="en-US" dirty="0" err="1" smtClean="0"/>
+              <a:t>Databaze</a:t>
+            </a:r>
+            <a:r>
+              <a:rPr lang="en-US" dirty="0" smtClean="0"/>
+              <a:t> je </a:t>
+            </a:r>
+            <a:r>
+              <a:rPr lang="en-US" dirty="0" err="1" smtClean="0"/>
+              <a:t>realizov</a:t>
+            </a:r>
+            <a:r>
+              <a:rPr lang="sk-SK" dirty="0" err="1" smtClean="0"/>
+              <a:t>ána</a:t>
+            </a:r>
+            <a:r>
+              <a:rPr lang="sk-SK" dirty="0" smtClean="0"/>
+              <a:t> pomocí XML </a:t>
+            </a:r>
+            <a:r>
+              <a:rPr lang="sk-SK" dirty="0" err="1" smtClean="0"/>
+              <a:t>souboru</a:t>
+            </a:r>
+            <a:endParaRPr lang="sk-SK" dirty="0" smtClean="0"/>
+          </a:p>
+          <a:p>
+            <a:r>
+              <a:rPr lang="sk-SK" dirty="0" err="1" smtClean="0"/>
+              <a:t>Při</a:t>
+            </a:r>
+            <a:r>
+              <a:rPr lang="sk-SK" dirty="0" smtClean="0"/>
+              <a:t> </a:t>
+            </a:r>
+            <a:r>
+              <a:rPr lang="sk-SK" dirty="0" err="1" smtClean="0"/>
+              <a:t>spuštení</a:t>
+            </a:r>
+            <a:r>
+              <a:rPr lang="sk-SK" dirty="0" smtClean="0"/>
+              <a:t> programu ja </a:t>
+            </a:r>
+            <a:r>
+              <a:rPr lang="sk-SK" dirty="0" err="1" smtClean="0"/>
+              <a:t>načtena</a:t>
+            </a:r>
+            <a:r>
+              <a:rPr lang="sk-SK" dirty="0" smtClean="0"/>
+              <a:t> do </a:t>
+            </a:r>
+            <a:r>
+              <a:rPr lang="sk-SK" dirty="0" err="1" smtClean="0"/>
+              <a:t>paměti</a:t>
+            </a:r>
+            <a:r>
+              <a:rPr lang="sk-SK" dirty="0" smtClean="0"/>
+              <a:t>, </a:t>
+            </a:r>
+            <a:r>
+              <a:rPr lang="sk-SK" dirty="0" err="1" smtClean="0"/>
+              <a:t>při</a:t>
+            </a:r>
+            <a:r>
+              <a:rPr lang="sk-SK" dirty="0" smtClean="0"/>
+              <a:t> ukončení</a:t>
+            </a:r>
+            <a:br>
+              <a:rPr lang="sk-SK" dirty="0" smtClean="0"/>
+            </a:br>
+            <a:r>
+              <a:rPr lang="sk-SK" dirty="0" err="1" smtClean="0"/>
+              <a:t>zapsána</a:t>
+            </a:r>
+            <a:r>
+              <a:rPr lang="sk-SK" dirty="0"/>
+              <a:t/>
+            </a:r>
+            <a:br>
+              <a:rPr lang="sk-SK" dirty="0"/>
+            </a:br>
+            <a:r>
+              <a:rPr lang="sk-SK" dirty="0" smtClean="0"/>
+              <a:t>na disk</a:t>
+            </a:r>
+            <a:endParaRPr lang="sk-SK" dirty="0"/>
+          </a:p>
+        </p:txBody>
+      </p:sp>
+      <p:sp>
+        <p:nvSpPr>
+          <p:cNvPr id="4" name="Zástupný symbol päty 3"/>
+          <p:cNvSpPr>
+            <a:spLocks noGrp="1"/>
+          </p:cNvSpPr>
+          <p:nvPr>
+            <p:ph type="ftr" sz="quarter" idx="11"/>
+          </p:nvPr>
+        </p:nvSpPr>
+        <p:spPr/>
+        <p:txBody>
+          <a:bodyPr/>
+          <a:lstStyle/>
+          <a:p>
+            <a:r>
+              <a:rPr lang="cs-CZ" smtClean="0"/>
+              <a:t>Bc. Michael Rádl, Jakub Matuška, Lukáš Findura, Jiří Vrbka </a:t>
+            </a:r>
+            <a:endParaRPr lang="cs-CZ"/>
+          </a:p>
+        </p:txBody>
+      </p:sp>
+      <p:pic>
+        <p:nvPicPr>
+          <p:cNvPr id="5" name="Obrázok 4"/>
+          <p:cNvPicPr>
+            <a:picLocks noChangeAspect="1"/>
+          </p:cNvPicPr>
+          <p:nvPr/>
+        </p:nvPicPr>
+        <p:blipFill>
+          <a:blip r:embed="rId2"/>
+          <a:stretch>
+            <a:fillRect/>
+          </a:stretch>
+        </p:blipFill>
+        <p:spPr>
+          <a:xfrm>
+            <a:off x="3309342" y="2887719"/>
+            <a:ext cx="5377458" cy="3481651"/>
+          </a:xfrm>
+          <a:prstGeom prst="rect">
+            <a:avLst/>
+          </a:prstGeom>
+        </p:spPr>
+      </p:pic>
+    </p:spTree>
+    <p:extLst>
+      <p:ext uri="{BB962C8B-B14F-4D97-AF65-F5344CB8AC3E}">
+        <p14:creationId xmlns:p14="http://schemas.microsoft.com/office/powerpoint/2010/main" val="4191602611"/>
+      </p:ext>
+    </p:extLst>
+  </p:cSld>
+  <p:clrMapOvr>
+    <a:masterClrMapping/>
+  </p:clrMapOvr>
+</p:sld>
+</file>
+
+<file path=ppt/slides/slide11.xml><?xml version="1.0" encoding="utf-8"?>
+<p:sld xmlns:a="http://schemas.openxmlformats.org/drawingml/2006/main" xmlns:r="http://schemas.openxmlformats.org/officeDocument/2006/relationships" xmlns:p="http://schemas.openxmlformats.org/presentationml/2006/main">
+  <p:cSld>
+    <p:spTree>
+      <p:nvGrpSpPr>
+        <p:cNvPr id="1" name=""/>
+        <p:cNvGrpSpPr/>
+        <p:nvPr/>
+      </p:nvGrpSpPr>
+      <p:grpSpPr>
+        <a:xfrm>
+          <a:off x="0" y="0"/>
+          <a:ext cx="0" cy="0"/>
+          <a:chOff x="0" y="0"/>
+          <a:chExt cx="0" cy="0"/>
+        </a:xfrm>
+      </p:grpSpPr>
+      <p:sp>
+        <p:nvSpPr>
+          <p:cNvPr id="2" name="Nadpis 1"/>
+          <p:cNvSpPr>
+            <a:spLocks noGrp="1"/>
+          </p:cNvSpPr>
+          <p:nvPr>
+            <p:ph type="title"/>
+          </p:nvPr>
+        </p:nvSpPr>
+        <p:spPr/>
+        <p:txBody>
+          <a:bodyPr/>
+          <a:lstStyle/>
+          <a:p>
+            <a:r>
               <a:rPr lang="cs-CZ" dirty="0" smtClean="0"/>
               <a:t>Použité technologie a nástroje</a:t>
             </a:r>
@@ -4454,7 +4680,7 @@
 </p:sld>
 </file>
 
-<file path=ppt/slides/slide11.xml><?xml version="1.0" encoding="utf-8"?>
+<file path=ppt/slides/slide12.xml><?xml version="1.0" encoding="utf-8"?>
 <p:sld xmlns:a="http://schemas.openxmlformats.org/drawingml/2006/main" xmlns:r="http://schemas.openxmlformats.org/officeDocument/2006/relationships" xmlns:p="http://schemas.openxmlformats.org/presentationml/2006/main">
   <p:cSld>
     <p:spTree>
@@ -4602,7 +4828,7 @@
 </p:sld>
 </file>
 
-<file path=ppt/slides/slide12.xml><?xml version="1.0" encoding="utf-8"?>
+<file path=ppt/slides/slide13.xml><?xml version="1.0" encoding="utf-8"?>
 <p:sld xmlns:a="http://schemas.openxmlformats.org/drawingml/2006/main" xmlns:r="http://schemas.openxmlformats.org/officeDocument/2006/relationships" xmlns:p="http://schemas.openxmlformats.org/presentationml/2006/main">
   <p:cSld>
     <p:spTree>
@@ -4759,7 +4985,7 @@
 </p:sld>
 </file>
 
-<file path=ppt/slides/slide13.xml><?xml version="1.0" encoding="utf-8"?>
+<file path=ppt/slides/slide14.xml><?xml version="1.0" encoding="utf-8"?>
 <p:sld xmlns:a="http://schemas.openxmlformats.org/drawingml/2006/main" xmlns:r="http://schemas.openxmlformats.org/officeDocument/2006/relationships" xmlns:p="http://schemas.openxmlformats.org/presentationml/2006/main">
   <p:cSld>
     <p:spTree>
@@ -4900,7 +5126,7 @@
 </p:sld>
 </file>
 
-<file path=ppt/slides/slide14.xml><?xml version="1.0" encoding="utf-8"?>
+<file path=ppt/slides/slide15.xml><?xml version="1.0" encoding="utf-8"?>
 <p:sld xmlns:a="http://schemas.openxmlformats.org/drawingml/2006/main" xmlns:r="http://schemas.openxmlformats.org/officeDocument/2006/relationships" xmlns:p="http://schemas.openxmlformats.org/presentationml/2006/main">
   <p:cSld>
     <p:spTree>
@@ -5040,7 +5266,7 @@
 </p:sld>
 </file>
 
-<file path=ppt/slides/slide15.xml><?xml version="1.0" encoding="utf-8"?>
+<file path=ppt/slides/slide16.xml><?xml version="1.0" encoding="utf-8"?>
 <p:sld xmlns:a="http://schemas.openxmlformats.org/drawingml/2006/main" xmlns:r="http://schemas.openxmlformats.org/officeDocument/2006/relationships" xmlns:p="http://schemas.openxmlformats.org/presentationml/2006/main">
   <p:cSld>
     <p:spTree>
@@ -5182,7 +5408,7 @@
 </p:sld>
 </file>
 
-<file path=ppt/slides/slide16.xml><?xml version="1.0" encoding="utf-8"?>
+<file path=ppt/slides/slide17.xml><?xml version="1.0" encoding="utf-8"?>
 <p:sld xmlns:a="http://schemas.openxmlformats.org/drawingml/2006/main" xmlns:r="http://schemas.openxmlformats.org/officeDocument/2006/relationships" xmlns:p="http://schemas.openxmlformats.org/presentationml/2006/main">
   <p:cSld>
     <p:spTree>
@@ -5253,7 +5479,6 @@
               <a:rPr lang="cs-CZ" dirty="0" smtClean="0"/>
               <a:t> Windows</a:t>
             </a:r>
-            <a:endParaRPr lang="cs-CZ" dirty="0" smtClean="0"/>
           </a:p>
         </p:txBody>
       </p:sp>
@@ -5328,7 +5553,7 @@
 </p:sld>
 </file>
 
-<file path=ppt/slides/slide17.xml><?xml version="1.0" encoding="utf-8"?>
+<file path=ppt/slides/slide18.xml><?xml version="1.0" encoding="utf-8"?>
 <p:sld xmlns:a="http://schemas.openxmlformats.org/drawingml/2006/main" xmlns:r="http://schemas.openxmlformats.org/officeDocument/2006/relationships" xmlns:p="http://schemas.openxmlformats.org/presentationml/2006/main">
   <p:cSld>
     <p:spTree>
@@ -5474,7 +5699,7 @@
 </p:sld>
 </file>
 
-<file path=ppt/slides/slide18.xml><?xml version="1.0" encoding="utf-8"?>
+<file path=ppt/slides/slide19.xml><?xml version="1.0" encoding="utf-8"?>
 <p:sld xmlns:a="http://schemas.openxmlformats.org/drawingml/2006/main" xmlns:r="http://schemas.openxmlformats.org/officeDocument/2006/relationships" xmlns:p="http://schemas.openxmlformats.org/presentationml/2006/main">
   <p:cSld>
     <p:spTree>
@@ -5671,7 +5896,6 @@
               <a:rPr lang="cs-CZ" dirty="0" smtClean="0"/>
               <a:t>Jiří Vrbka</a:t>
             </a:r>
-            <a:endParaRPr lang="cs-CZ" dirty="0" smtClean="0"/>
           </a:p>
           <a:p>
             <a:pPr>
@@ -5780,21 +6004,13 @@
           <a:p>
             <a:r>
               <a:rPr lang="cs-CZ" dirty="0" smtClean="0"/>
-              <a:t>Cílem projektu je vytvořit aplikaci, která bude fungovat jako RSS a ATOM čtečka</a:t>
-            </a:r>
+              <a:t>Cílem projektu je vytvořit aplikaci, která bude fungovat jako RSS a ATOM čtečka.</a:t>
+            </a:r>
+          </a:p>
+          <a:p>
             <a:r>
               <a:rPr lang="cs-CZ" dirty="0" smtClean="0"/>
-              <a:t>.</a:t>
-            </a:r>
-          </a:p>
-          <a:p>
-            <a:r>
-              <a:rPr lang="cs-CZ" dirty="0" smtClean="0"/>
-              <a:t>Aplikace </a:t>
-            </a:r>
-            <a:r>
-              <a:rPr lang="cs-CZ" dirty="0" smtClean="0"/>
-              <a:t>může být jak </a:t>
+              <a:t>Aplikace může být jak </a:t>
             </a:r>
             <a:r>
               <a:rPr lang="cs-CZ" dirty="0" err="1" smtClean="0"/>
@@ -5804,77 +6020,35 @@
               <a:rPr lang="cs-CZ" dirty="0" smtClean="0"/>
               <a:t>, tak webová. </a:t>
             </a:r>
-            <a:endParaRPr lang="cs-CZ" dirty="0" smtClean="0"/>
           </a:p>
           <a:p>
             <a:r>
               <a:rPr lang="cs-CZ" dirty="0" smtClean="0"/>
-              <a:t>Dle </a:t>
-            </a:r>
+              <a:t>Dle zadaného odkazu získat RSS či ATOM kanál</a:t>
+            </a:r>
+          </a:p>
+          <a:p>
             <a:r>
               <a:rPr lang="cs-CZ" dirty="0" smtClean="0"/>
-              <a:t>zadaného odkazu získat RSS či ATOM </a:t>
-            </a:r>
+              <a:t>Prezentovat uživateli "přívětivě„</a:t>
+            </a:r>
+          </a:p>
+          <a:p>
             <a:r>
               <a:rPr lang="cs-CZ" dirty="0" smtClean="0"/>
-              <a:t>kanál</a:t>
+              <a:t>Mít možnost ukládat si své oblíbené kanály (všechny CRUD operace)</a:t>
             </a:r>
           </a:p>
           <a:p>
             <a:r>
               <a:rPr lang="cs-CZ" dirty="0" smtClean="0"/>
-              <a:t>Prezentovat </a:t>
-            </a:r>
+              <a:t>Umožnit v nich vyhledávat. </a:t>
+            </a:r>
+          </a:p>
+          <a:p>
             <a:r>
               <a:rPr lang="cs-CZ" dirty="0" smtClean="0"/>
-              <a:t>uživateli "</a:t>
-            </a:r>
-            <a:r>
-              <a:rPr lang="cs-CZ" dirty="0" smtClean="0"/>
-              <a:t>přívětivě„</a:t>
-            </a:r>
-          </a:p>
-          <a:p>
-            <a:r>
-              <a:rPr lang="cs-CZ" dirty="0" smtClean="0"/>
-              <a:t>Mít </a:t>
-            </a:r>
-            <a:r>
-              <a:rPr lang="cs-CZ" dirty="0" smtClean="0"/>
-              <a:t>možnost ukládat si své oblíbené kanály (všechny CRUD operace</a:t>
-            </a:r>
-            <a:r>
-              <a:rPr lang="cs-CZ" dirty="0" smtClean="0"/>
-              <a:t>)</a:t>
-            </a:r>
-          </a:p>
-          <a:p>
-            <a:r>
-              <a:rPr lang="cs-CZ" dirty="0" smtClean="0"/>
-              <a:t>Umožnit </a:t>
-            </a:r>
-            <a:r>
-              <a:rPr lang="cs-CZ" dirty="0" smtClean="0"/>
-              <a:t>v nich vyhledávat. </a:t>
-            </a:r>
-            <a:endParaRPr lang="cs-CZ" dirty="0" smtClean="0"/>
-          </a:p>
-          <a:p>
-            <a:r>
-              <a:rPr lang="cs-CZ" dirty="0" smtClean="0"/>
-              <a:t>A</a:t>
-            </a:r>
-            <a:r>
-              <a:rPr lang="cs-CZ" dirty="0" smtClean="0"/>
-              <a:t>plikace </a:t>
-            </a:r>
-            <a:r>
-              <a:rPr lang="cs-CZ" dirty="0" smtClean="0"/>
-              <a:t>bude obsahovat alespoň základní jednotkové </a:t>
-            </a:r>
-            <a:r>
-              <a:rPr lang="cs-CZ" dirty="0" smtClean="0"/>
-              <a:t>testy</a:t>
+              <a:t>Aplikace bude obsahovat alespoň základní jednotkové testy</a:t>
             </a:r>
             <a:endParaRPr lang="cs-CZ" dirty="0"/>
           </a:p>

--- a/prezentace.pptx
+++ b/prezentace.pptx
@@ -5,7 +5,7 @@
     <p:sldMasterId id="2147483660" r:id="rId1"/>
   </p:sldMasterIdLst>
   <p:notesMasterIdLst>
-    <p:notesMasterId r:id="rId21"/>
+    <p:notesMasterId r:id="rId22"/>
   </p:notesMasterIdLst>
   <p:sldIdLst>
     <p:sldId id="256" r:id="rId2"/>
@@ -17,16 +17,17 @@
     <p:sldId id="271" r:id="rId8"/>
     <p:sldId id="272" r:id="rId9"/>
     <p:sldId id="273" r:id="rId10"/>
-    <p:sldId id="281" r:id="rId11"/>
-    <p:sldId id="259" r:id="rId12"/>
-    <p:sldId id="274" r:id="rId13"/>
-    <p:sldId id="275" r:id="rId14"/>
-    <p:sldId id="276" r:id="rId15"/>
-    <p:sldId id="277" r:id="rId16"/>
-    <p:sldId id="278" r:id="rId17"/>
-    <p:sldId id="279" r:id="rId18"/>
-    <p:sldId id="280" r:id="rId19"/>
-    <p:sldId id="267" r:id="rId20"/>
+    <p:sldId id="282" r:id="rId11"/>
+    <p:sldId id="281" r:id="rId12"/>
+    <p:sldId id="259" r:id="rId13"/>
+    <p:sldId id="274" r:id="rId14"/>
+    <p:sldId id="275" r:id="rId15"/>
+    <p:sldId id="276" r:id="rId16"/>
+    <p:sldId id="277" r:id="rId17"/>
+    <p:sldId id="278" r:id="rId18"/>
+    <p:sldId id="279" r:id="rId19"/>
+    <p:sldId id="280" r:id="rId20"/>
+    <p:sldId id="267" r:id="rId21"/>
   </p:sldIdLst>
   <p:sldSz cx="9144000" cy="6858000" type="screen4x3"/>
   <p:notesSz cx="6858000" cy="9144000"/>
@@ -4364,6 +4365,182 @@
           <a:chExt cx="0" cy="0"/>
         </a:xfrm>
       </p:grpSpPr>
+      <p:pic>
+        <p:nvPicPr>
+          <p:cNvPr id="5" name="Obrázok 4"/>
+          <p:cNvPicPr>
+            <a:picLocks noChangeAspect="1"/>
+          </p:cNvPicPr>
+          <p:nvPr/>
+        </p:nvPicPr>
+        <p:blipFill>
+          <a:blip r:embed="rId2"/>
+          <a:stretch>
+            <a:fillRect/>
+          </a:stretch>
+        </p:blipFill>
+        <p:spPr>
+          <a:xfrm>
+            <a:off x="4139952" y="1798829"/>
+            <a:ext cx="4724400" cy="4048125"/>
+          </a:xfrm>
+          <a:prstGeom prst="rect">
+            <a:avLst/>
+          </a:prstGeom>
+        </p:spPr>
+      </p:pic>
+      <p:sp>
+        <p:nvSpPr>
+          <p:cNvPr id="2" name="Nadpis 1"/>
+          <p:cNvSpPr>
+            <a:spLocks noGrp="1"/>
+          </p:cNvSpPr>
+          <p:nvPr>
+            <p:ph type="title"/>
+          </p:nvPr>
+        </p:nvSpPr>
+        <p:spPr/>
+        <p:txBody>
+          <a:bodyPr/>
+          <a:lstStyle/>
+          <a:p>
+            <a:r>
+              <a:rPr lang="en-US" dirty="0" err="1" smtClean="0"/>
+              <a:t>Podporovan</a:t>
+            </a:r>
+            <a:r>
+              <a:rPr lang="sk-SK" dirty="0" smtClean="0"/>
+              <a:t>é formáty</a:t>
+            </a:r>
+            <a:endParaRPr lang="sk-SK" dirty="0"/>
+          </a:p>
+        </p:txBody>
+      </p:sp>
+      <p:sp>
+        <p:nvSpPr>
+          <p:cNvPr id="3" name="Zástupný symbol obsahu 2"/>
+          <p:cNvSpPr>
+            <a:spLocks noGrp="1"/>
+          </p:cNvSpPr>
+          <p:nvPr>
+            <p:ph idx="1"/>
+          </p:nvPr>
+        </p:nvSpPr>
+        <p:spPr/>
+        <p:txBody>
+          <a:bodyPr/>
+          <a:lstStyle/>
+          <a:p>
+            <a:r>
+              <a:rPr lang="sk-SK" dirty="0" smtClean="0"/>
+              <a:t>RSS v.2.0</a:t>
+            </a:r>
+          </a:p>
+          <a:p>
+            <a:r>
+              <a:rPr lang="sk-SK" dirty="0" smtClean="0"/>
+              <a:t>ATOM v.1.0</a:t>
+            </a:r>
+          </a:p>
+          <a:p>
+            <a:pPr marL="118872" indent="0">
+              <a:buNone/>
+            </a:pPr>
+            <a:endParaRPr lang="sk-SK" dirty="0" smtClean="0"/>
+          </a:p>
+          <a:p>
+            <a:r>
+              <a:rPr lang="sk-SK" dirty="0" err="1" smtClean="0"/>
+              <a:t>Lehká</a:t>
+            </a:r>
+            <a:r>
+              <a:rPr lang="sk-SK" dirty="0" smtClean="0"/>
+              <a:t> </a:t>
+            </a:r>
+            <a:r>
+              <a:rPr lang="sk-SK" dirty="0" err="1" smtClean="0"/>
+              <a:t>rozšiřitelnost</a:t>
+            </a:r>
+            <a:r>
+              <a:rPr lang="sk-SK" dirty="0" smtClean="0"/>
+              <a:t>:</a:t>
+            </a:r>
+          </a:p>
+          <a:p>
+            <a:pPr lvl="1"/>
+            <a:r>
+              <a:rPr lang="sk-SK" dirty="0" err="1" smtClean="0"/>
+              <a:t>Parser</a:t>
+            </a:r>
+            <a:endParaRPr lang="sk-SK" dirty="0" smtClean="0"/>
+          </a:p>
+          <a:p>
+            <a:pPr lvl="1"/>
+            <a:r>
+              <a:rPr lang="sk-SK" dirty="0" smtClean="0"/>
+              <a:t>XML </a:t>
+            </a:r>
+            <a:r>
+              <a:rPr lang="sk-SK" dirty="0" err="1" smtClean="0"/>
+              <a:t>Schema</a:t>
+            </a:r>
+            <a:endParaRPr lang="sk-SK" dirty="0"/>
+          </a:p>
+        </p:txBody>
+      </p:sp>
+      <p:sp>
+        <p:nvSpPr>
+          <p:cNvPr id="4" name="Zástupný symbol päty 3"/>
+          <p:cNvSpPr>
+            <a:spLocks noGrp="1"/>
+          </p:cNvSpPr>
+          <p:nvPr>
+            <p:ph type="ftr" sz="quarter" idx="11"/>
+          </p:nvPr>
+        </p:nvSpPr>
+        <p:spPr/>
+        <p:txBody>
+          <a:bodyPr/>
+          <a:lstStyle/>
+          <a:p>
+            <a:r>
+              <a:rPr lang="cs-CZ" smtClean="0"/>
+              <a:t>Bc. Michael Rádl, Jakub Matuška, Lukáš Findura, Jiří Vrbka </a:t>
+            </a:r>
+            <a:endParaRPr lang="cs-CZ"/>
+          </a:p>
+        </p:txBody>
+      </p:sp>
+    </p:spTree>
+    <p:extLst>
+      <p:ext uri="{BB962C8B-B14F-4D97-AF65-F5344CB8AC3E}">
+        <p14:creationId xmlns:p14="http://schemas.microsoft.com/office/powerpoint/2010/main" val="1300225353"/>
+      </p:ext>
+    </p:extLst>
+  </p:cSld>
+  <p:clrMapOvr>
+    <a:masterClrMapping/>
+  </p:clrMapOvr>
+</p:sld>
+</file>
+
+<file path=ppt/slides/slide11.xml><?xml version="1.0" encoding="utf-8"?>
+<p:sld xmlns:a="http://schemas.openxmlformats.org/drawingml/2006/main" xmlns:r="http://schemas.openxmlformats.org/officeDocument/2006/relationships" xmlns:p="http://schemas.openxmlformats.org/presentationml/2006/main">
+  <p:cSld>
+    <p:spTree>
+      <p:nvGrpSpPr>
+        <p:cNvPr id="1" name=""/>
+        <p:cNvGrpSpPr/>
+        <p:nvPr/>
+      </p:nvGrpSpPr>
+      <p:grpSpPr>
+        <a:xfrm>
+          <a:off x="0" y="0"/>
+          <a:ext cx="0" cy="0"/>
+          <a:chOff x="0" y="0"/>
+          <a:chExt cx="0" cy="0"/>
+        </a:xfrm>
+      </p:grpSpPr>
       <p:sp>
         <p:nvSpPr>
           <p:cNvPr id="2" name="Nadpis 1"/>
@@ -4551,7 +4728,7 @@
 </p:sld>
 </file>
 
-<file path=ppt/slides/slide11.xml><?xml version="1.0" encoding="utf-8"?>
+<file path=ppt/slides/slide12.xml><?xml version="1.0" encoding="utf-8"?>
 <p:sld xmlns:a="http://schemas.openxmlformats.org/drawingml/2006/main" xmlns:r="http://schemas.openxmlformats.org/officeDocument/2006/relationships" xmlns:p="http://schemas.openxmlformats.org/presentationml/2006/main">
   <p:cSld>
     <p:spTree>
@@ -4680,7 +4857,7 @@
 </p:sld>
 </file>
 
-<file path=ppt/slides/slide12.xml><?xml version="1.0" encoding="utf-8"?>
+<file path=ppt/slides/slide13.xml><?xml version="1.0" encoding="utf-8"?>
 <p:sld xmlns:a="http://schemas.openxmlformats.org/drawingml/2006/main" xmlns:r="http://schemas.openxmlformats.org/officeDocument/2006/relationships" xmlns:p="http://schemas.openxmlformats.org/presentationml/2006/main">
   <p:cSld>
     <p:spTree>
@@ -4828,7 +5005,7 @@
 </p:sld>
 </file>
 
-<file path=ppt/slides/slide13.xml><?xml version="1.0" encoding="utf-8"?>
+<file path=ppt/slides/slide14.xml><?xml version="1.0" encoding="utf-8"?>
 <p:sld xmlns:a="http://schemas.openxmlformats.org/drawingml/2006/main" xmlns:r="http://schemas.openxmlformats.org/officeDocument/2006/relationships" xmlns:p="http://schemas.openxmlformats.org/presentationml/2006/main">
   <p:cSld>
     <p:spTree>
@@ -4985,7 +5162,7 @@
 </p:sld>
 </file>
 
-<file path=ppt/slides/slide14.xml><?xml version="1.0" encoding="utf-8"?>
+<file path=ppt/slides/slide15.xml><?xml version="1.0" encoding="utf-8"?>
 <p:sld xmlns:a="http://schemas.openxmlformats.org/drawingml/2006/main" xmlns:r="http://schemas.openxmlformats.org/officeDocument/2006/relationships" xmlns:p="http://schemas.openxmlformats.org/presentationml/2006/main">
   <p:cSld>
     <p:spTree>
@@ -5126,7 +5303,7 @@
 </p:sld>
 </file>
 
-<file path=ppt/slides/slide15.xml><?xml version="1.0" encoding="utf-8"?>
+<file path=ppt/slides/slide16.xml><?xml version="1.0" encoding="utf-8"?>
 <p:sld xmlns:a="http://schemas.openxmlformats.org/drawingml/2006/main" xmlns:r="http://schemas.openxmlformats.org/officeDocument/2006/relationships" xmlns:p="http://schemas.openxmlformats.org/presentationml/2006/main">
   <p:cSld>
     <p:spTree>
@@ -5266,7 +5443,7 @@
 </p:sld>
 </file>
 
-<file path=ppt/slides/slide16.xml><?xml version="1.0" encoding="utf-8"?>
+<file path=ppt/slides/slide17.xml><?xml version="1.0" encoding="utf-8"?>
 <p:sld xmlns:a="http://schemas.openxmlformats.org/drawingml/2006/main" xmlns:r="http://schemas.openxmlformats.org/officeDocument/2006/relationships" xmlns:p="http://schemas.openxmlformats.org/presentationml/2006/main">
   <p:cSld>
     <p:spTree>
@@ -5408,7 +5585,7 @@
 </p:sld>
 </file>
 
-<file path=ppt/slides/slide17.xml><?xml version="1.0" encoding="utf-8"?>
+<file path=ppt/slides/slide18.xml><?xml version="1.0" encoding="utf-8"?>
 <p:sld xmlns:a="http://schemas.openxmlformats.org/drawingml/2006/main" xmlns:r="http://schemas.openxmlformats.org/officeDocument/2006/relationships" xmlns:p="http://schemas.openxmlformats.org/presentationml/2006/main">
   <p:cSld>
     <p:spTree>
@@ -5553,7 +5730,7 @@
 </p:sld>
 </file>
 
-<file path=ppt/slides/slide18.xml><?xml version="1.0" encoding="utf-8"?>
+<file path=ppt/slides/slide19.xml><?xml version="1.0" encoding="utf-8"?>
 <p:sld xmlns:a="http://schemas.openxmlformats.org/drawingml/2006/main" xmlns:r="http://schemas.openxmlformats.org/officeDocument/2006/relationships" xmlns:p="http://schemas.openxmlformats.org/presentationml/2006/main">
   <p:cSld>
     <p:spTree>
@@ -5699,96 +5876,6 @@
 </p:sld>
 </file>
 
-<file path=ppt/slides/slide19.xml><?xml version="1.0" encoding="utf-8"?>
-<p:sld xmlns:a="http://schemas.openxmlformats.org/drawingml/2006/main" xmlns:r="http://schemas.openxmlformats.org/officeDocument/2006/relationships" xmlns:p="http://schemas.openxmlformats.org/presentationml/2006/main">
-  <p:cSld>
-    <p:spTree>
-      <p:nvGrpSpPr>
-        <p:cNvPr id="1" name=""/>
-        <p:cNvGrpSpPr/>
-        <p:nvPr/>
-      </p:nvGrpSpPr>
-      <p:grpSpPr>
-        <a:xfrm>
-          <a:off x="0" y="0"/>
-          <a:ext cx="0" cy="0"/>
-          <a:chOff x="0" y="0"/>
-          <a:chExt cx="0" cy="0"/>
-        </a:xfrm>
-      </p:grpSpPr>
-      <p:sp>
-        <p:nvSpPr>
-          <p:cNvPr id="2" name="Nadpis 1"/>
-          <p:cNvSpPr>
-            <a:spLocks noGrp="1"/>
-          </p:cNvSpPr>
-          <p:nvPr>
-            <p:ph type="title"/>
-          </p:nvPr>
-        </p:nvSpPr>
-        <p:spPr/>
-        <p:txBody>
-          <a:bodyPr/>
-          <a:lstStyle/>
-          <a:p>
-            <a:endParaRPr lang="cs-CZ" dirty="0"/>
-          </a:p>
-        </p:txBody>
-      </p:sp>
-      <p:sp>
-        <p:nvSpPr>
-          <p:cNvPr id="3" name="Zástupný symbol pro obsah 2"/>
-          <p:cNvSpPr>
-            <a:spLocks noGrp="1"/>
-          </p:cNvSpPr>
-          <p:nvPr>
-            <p:ph idx="1"/>
-          </p:nvPr>
-        </p:nvSpPr>
-        <p:spPr/>
-        <p:txBody>
-          <a:bodyPr/>
-          <a:lstStyle/>
-          <a:p>
-            <a:r>
-              <a:rPr lang="cs-CZ" dirty="0" smtClean="0"/>
-              <a:t>Díky za pozornost</a:t>
-            </a:r>
-            <a:endParaRPr lang="cs-CZ" dirty="0"/>
-          </a:p>
-        </p:txBody>
-      </p:sp>
-      <p:sp>
-        <p:nvSpPr>
-          <p:cNvPr id="4" name="Zástupný symbol pro zápatí 3"/>
-          <p:cNvSpPr>
-            <a:spLocks noGrp="1"/>
-          </p:cNvSpPr>
-          <p:nvPr>
-            <p:ph type="ftr" sz="quarter" idx="11"/>
-          </p:nvPr>
-        </p:nvSpPr>
-        <p:spPr/>
-        <p:txBody>
-          <a:bodyPr/>
-          <a:lstStyle/>
-          <a:p>
-            <a:r>
-              <a:rPr lang="cs-CZ" smtClean="0"/>
-              <a:t>Bc. Michael Rádl, Jakub Matuška, Lukáš Findura, Jiří Vrbka </a:t>
-            </a:r>
-            <a:endParaRPr lang="cs-CZ"/>
-          </a:p>
-        </p:txBody>
-      </p:sp>
-    </p:spTree>
-  </p:cSld>
-  <p:clrMapOvr>
-    <a:masterClrMapping/>
-  </p:clrMapOvr>
-</p:sld>
-</file>
-
 <file path=ppt/slides/slide2.xml><?xml version="1.0" encoding="utf-8"?>
 <p:sld xmlns:a="http://schemas.openxmlformats.org/drawingml/2006/main" xmlns:r="http://schemas.openxmlformats.org/officeDocument/2006/relationships" xmlns:p="http://schemas.openxmlformats.org/presentationml/2006/main">
   <p:cSld>
@@ -5942,6 +6029,96 @@
       </p:par>
     </p:tnLst>
   </p:timing>
+</p:sld>
+</file>
+
+<file path=ppt/slides/slide20.xml><?xml version="1.0" encoding="utf-8"?>
+<p:sld xmlns:a="http://schemas.openxmlformats.org/drawingml/2006/main" xmlns:r="http://schemas.openxmlformats.org/officeDocument/2006/relationships" xmlns:p="http://schemas.openxmlformats.org/presentationml/2006/main">
+  <p:cSld>
+    <p:spTree>
+      <p:nvGrpSpPr>
+        <p:cNvPr id="1" name=""/>
+        <p:cNvGrpSpPr/>
+        <p:nvPr/>
+      </p:nvGrpSpPr>
+      <p:grpSpPr>
+        <a:xfrm>
+          <a:off x="0" y="0"/>
+          <a:ext cx="0" cy="0"/>
+          <a:chOff x="0" y="0"/>
+          <a:chExt cx="0" cy="0"/>
+        </a:xfrm>
+      </p:grpSpPr>
+      <p:sp>
+        <p:nvSpPr>
+          <p:cNvPr id="2" name="Nadpis 1"/>
+          <p:cNvSpPr>
+            <a:spLocks noGrp="1"/>
+          </p:cNvSpPr>
+          <p:nvPr>
+            <p:ph type="title"/>
+          </p:nvPr>
+        </p:nvSpPr>
+        <p:spPr/>
+        <p:txBody>
+          <a:bodyPr/>
+          <a:lstStyle/>
+          <a:p>
+            <a:endParaRPr lang="cs-CZ" dirty="0"/>
+          </a:p>
+        </p:txBody>
+      </p:sp>
+      <p:sp>
+        <p:nvSpPr>
+          <p:cNvPr id="3" name="Zástupný symbol pro obsah 2"/>
+          <p:cNvSpPr>
+            <a:spLocks noGrp="1"/>
+          </p:cNvSpPr>
+          <p:nvPr>
+            <p:ph idx="1"/>
+          </p:nvPr>
+        </p:nvSpPr>
+        <p:spPr/>
+        <p:txBody>
+          <a:bodyPr/>
+          <a:lstStyle/>
+          <a:p>
+            <a:r>
+              <a:rPr lang="cs-CZ" dirty="0" smtClean="0"/>
+              <a:t>Díky za pozornost</a:t>
+            </a:r>
+            <a:endParaRPr lang="cs-CZ" dirty="0"/>
+          </a:p>
+        </p:txBody>
+      </p:sp>
+      <p:sp>
+        <p:nvSpPr>
+          <p:cNvPr id="4" name="Zástupný symbol pro zápatí 3"/>
+          <p:cNvSpPr>
+            <a:spLocks noGrp="1"/>
+          </p:cNvSpPr>
+          <p:nvPr>
+            <p:ph type="ftr" sz="quarter" idx="11"/>
+          </p:nvPr>
+        </p:nvSpPr>
+        <p:spPr/>
+        <p:txBody>
+          <a:bodyPr/>
+          <a:lstStyle/>
+          <a:p>
+            <a:r>
+              <a:rPr lang="cs-CZ" smtClean="0"/>
+              <a:t>Bc. Michael Rádl, Jakub Matuška, Lukáš Findura, Jiří Vrbka </a:t>
+            </a:r>
+            <a:endParaRPr lang="cs-CZ"/>
+          </a:p>
+        </p:txBody>
+      </p:sp>
+    </p:spTree>
+  </p:cSld>
+  <p:clrMapOvr>
+    <a:masterClrMapping/>
+  </p:clrMapOvr>
 </p:sld>
 </file>
 

--- a/prezentace.pptx
+++ b/prezentace.pptx
@@ -128,7 +128,7 @@
   </p:defaultTextStyle>
   <p:extLst>
     <p:ext uri="{EFAFB233-063F-42B5-8137-9DF3F51BA10A}">
-      <p15:sldGuideLst xmlns:p15="http://schemas.microsoft.com/office/powerpoint/2012/main">
+      <p15:sldGuideLst xmlns:p15="http://schemas.microsoft.com/office/powerpoint/2012/main" xmlns="">
         <p15:guide id="1" orient="horz" pos="2160">
           <p15:clr>
             <a:srgbClr val="A4A3A4"/>
@@ -227,6 +227,7 @@
           <a:p>
             <a:fld id="{C4B74310-2026-40DA-BD07-DC8CE7A467C6}" type="datetimeFigureOut">
               <a:rPr lang="cs-CZ" smtClean="0"/>
+              <a:pPr/>
               <a:t>1. 6. 2015</a:t>
             </a:fld>
             <a:endParaRPr lang="cs-CZ"/>
@@ -388,6 +389,7 @@
           <a:p>
             <a:fld id="{66C23F5C-6316-4591-ADD8-2F0AE6E6A671}" type="slidenum">
               <a:rPr lang="cs-CZ" smtClean="0"/>
+              <a:pPr/>
               <a:t>‹#›</a:t>
             </a:fld>
             <a:endParaRPr lang="cs-CZ"/>
@@ -397,7 +399,7 @@
     </p:spTree>
     <p:extLst>
       <p:ext uri="{BB962C8B-B14F-4D97-AF65-F5344CB8AC3E}">
-        <p14:creationId xmlns:p14="http://schemas.microsoft.com/office/powerpoint/2010/main" val="47929628"/>
+        <p14:creationId xmlns:p14="http://schemas.microsoft.com/office/powerpoint/2010/main" xmlns="" val="47929628"/>
       </p:ext>
     </p:extLst>
   </p:cSld>
@@ -745,6 +747,7 @@
           <a:p>
             <a:fld id="{930F3E6F-97C0-416F-BCD9-1660EFEEE5E5}" type="datetime1">
               <a:rPr lang="cs-CZ" smtClean="0"/>
+              <a:pPr/>
               <a:t>1. 6. 2015</a:t>
             </a:fld>
             <a:endParaRPr lang="cs-CZ"/>
@@ -791,6 +794,7 @@
           <a:p>
             <a:fld id="{957D486F-D791-4B2E-95A3-F34D76ACB23E}" type="slidenum">
               <a:rPr lang="cs-CZ" smtClean="0"/>
+              <a:pPr/>
               <a:t>‹#›</a:t>
             </a:fld>
             <a:endParaRPr lang="cs-CZ"/>
@@ -972,6 +976,7 @@
           <a:p>
             <a:fld id="{F156832B-4CD4-4C22-91B7-38A4FC0FD16B}" type="datetime1">
               <a:rPr lang="cs-CZ" smtClean="0"/>
+              <a:pPr/>
               <a:t>1. 6. 2015</a:t>
             </a:fld>
             <a:endParaRPr lang="cs-CZ"/>
@@ -1018,6 +1023,7 @@
           <a:p>
             <a:fld id="{957D486F-D791-4B2E-95A3-F34D76ACB23E}" type="slidenum">
               <a:rPr lang="cs-CZ" smtClean="0"/>
+              <a:pPr/>
               <a:t>‹#›</a:t>
             </a:fld>
             <a:endParaRPr lang="cs-CZ"/>
@@ -1256,6 +1262,7 @@
           <a:p>
             <a:fld id="{CD357F94-2321-46FD-AAD2-546E88C9A740}" type="datetime1">
               <a:rPr lang="cs-CZ" smtClean="0"/>
+              <a:pPr/>
               <a:t>1. 6. 2015</a:t>
             </a:fld>
             <a:endParaRPr lang="cs-CZ"/>
@@ -1307,6 +1314,7 @@
           <a:p>
             <a:fld id="{957D486F-D791-4B2E-95A3-F34D76ACB23E}" type="slidenum">
               <a:rPr lang="cs-CZ" smtClean="0"/>
+              <a:pPr/>
               <a:t>‹#›</a:t>
             </a:fld>
             <a:endParaRPr lang="cs-CZ"/>
@@ -1439,6 +1447,7 @@
           <a:p>
             <a:fld id="{618892BB-346E-4821-A819-3B5A64BCC351}" type="datetime1">
               <a:rPr lang="cs-CZ" smtClean="0"/>
+              <a:pPr/>
               <a:t>1. 6. 2015</a:t>
             </a:fld>
             <a:endParaRPr lang="cs-CZ"/>
@@ -1485,6 +1494,7 @@
           <a:p>
             <a:fld id="{957D486F-D791-4B2E-95A3-F34D76ACB23E}" type="slidenum">
               <a:rPr lang="cs-CZ" smtClean="0"/>
+              <a:pPr/>
               <a:t>‹#›</a:t>
             </a:fld>
             <a:endParaRPr lang="cs-CZ"/>
@@ -1801,6 +1811,7 @@
           <a:p>
             <a:fld id="{F1F8B1D9-216B-454E-9022-52C09F689440}" type="datetime1">
               <a:rPr lang="cs-CZ" smtClean="0"/>
+              <a:pPr/>
               <a:t>1. 6. 2015</a:t>
             </a:fld>
             <a:endParaRPr lang="cs-CZ"/>
@@ -1847,6 +1858,7 @@
           <a:p>
             <a:fld id="{957D486F-D791-4B2E-95A3-F34D76ACB23E}" type="slidenum">
               <a:rPr lang="cs-CZ" smtClean="0"/>
+              <a:pPr/>
               <a:t>‹#›</a:t>
             </a:fld>
             <a:endParaRPr lang="cs-CZ"/>
@@ -2092,6 +2104,7 @@
           <a:p>
             <a:fld id="{B3981E2F-DC77-41D8-9BE4-1063F18D1F35}" type="datetime1">
               <a:rPr lang="cs-CZ" smtClean="0"/>
+              <a:pPr/>
               <a:t>1. 6. 2015</a:t>
             </a:fld>
             <a:endParaRPr lang="cs-CZ"/>
@@ -2138,6 +2151,7 @@
           <a:p>
             <a:fld id="{957D486F-D791-4B2E-95A3-F34D76ACB23E}" type="slidenum">
               <a:rPr lang="cs-CZ" smtClean="0"/>
+              <a:pPr/>
               <a:t>‹#›</a:t>
             </a:fld>
             <a:endParaRPr lang="cs-CZ"/>
@@ -2518,6 +2532,7 @@
           <a:p>
             <a:fld id="{AE7DEE52-D5CD-4B6A-A5BF-70FE3F8B9E2C}" type="datetime1">
               <a:rPr lang="cs-CZ" smtClean="0"/>
+              <a:pPr/>
               <a:t>1. 6. 2015</a:t>
             </a:fld>
             <a:endParaRPr lang="cs-CZ"/>
@@ -2564,6 +2579,7 @@
           <a:p>
             <a:fld id="{957D486F-D791-4B2E-95A3-F34D76ACB23E}" type="slidenum">
               <a:rPr lang="cs-CZ" smtClean="0"/>
+              <a:pPr/>
               <a:t>‹#›</a:t>
             </a:fld>
             <a:endParaRPr lang="cs-CZ"/>
@@ -2637,6 +2653,7 @@
           <a:p>
             <a:fld id="{FD34A845-E794-464B-A11A-C043E89C4867}" type="datetime1">
               <a:rPr lang="cs-CZ" smtClean="0"/>
+              <a:pPr/>
               <a:t>1. 6. 2015</a:t>
             </a:fld>
             <a:endParaRPr lang="cs-CZ"/>
@@ -2683,6 +2700,7 @@
           <a:p>
             <a:fld id="{957D486F-D791-4B2E-95A3-F34D76ACB23E}" type="slidenum">
               <a:rPr lang="cs-CZ" smtClean="0"/>
+              <a:pPr/>
               <a:t>‹#›</a:t>
             </a:fld>
             <a:endParaRPr lang="cs-CZ"/>
@@ -2731,6 +2749,7 @@
           <a:p>
             <a:fld id="{025F9674-8544-43AF-8957-3D61583EAEC1}" type="datetime1">
               <a:rPr lang="cs-CZ" smtClean="0"/>
+              <a:pPr/>
               <a:t>1. 6. 2015</a:t>
             </a:fld>
             <a:endParaRPr lang="cs-CZ"/>
@@ -2777,6 +2796,7 @@
           <a:p>
             <a:fld id="{957D486F-D791-4B2E-95A3-F34D76ACB23E}" type="slidenum">
               <a:rPr lang="cs-CZ" smtClean="0"/>
+              <a:pPr/>
               <a:t>‹#›</a:t>
             </a:fld>
             <a:endParaRPr lang="cs-CZ"/>
@@ -3013,6 +3033,7 @@
           <a:p>
             <a:fld id="{AB818026-8D56-4DA8-BDD5-4AE1168E8C5C}" type="datetime1">
               <a:rPr lang="cs-CZ" smtClean="0"/>
+              <a:pPr/>
               <a:t>1. 6. 2015</a:t>
             </a:fld>
             <a:endParaRPr lang="cs-CZ"/>
@@ -3059,6 +3080,7 @@
           <a:p>
             <a:fld id="{957D486F-D791-4B2E-95A3-F34D76ACB23E}" type="slidenum">
               <a:rPr lang="cs-CZ" smtClean="0"/>
+              <a:pPr/>
               <a:t>‹#›</a:t>
             </a:fld>
             <a:endParaRPr lang="cs-CZ"/>
@@ -3383,6 +3405,7 @@
           <a:p>
             <a:fld id="{18BA4AD2-5881-4816-B728-0B8DE44AF3FE}" type="datetime1">
               <a:rPr lang="cs-CZ" smtClean="0"/>
+              <a:pPr/>
               <a:t>1. 6. 2015</a:t>
             </a:fld>
             <a:endParaRPr lang="cs-CZ"/>
@@ -3543,6 +3566,7 @@
           <a:p>
             <a:fld id="{957D486F-D791-4B2E-95A3-F34D76ACB23E}" type="slidenum">
               <a:rPr lang="cs-CZ" smtClean="0"/>
+              <a:pPr/>
               <a:t>‹#›</a:t>
             </a:fld>
             <a:endParaRPr lang="cs-CZ"/>
@@ -3824,6 +3848,7 @@
           <a:p>
             <a:fld id="{CAD73407-270E-4A3E-8E41-CA704BA75C1A}" type="datetime1">
               <a:rPr lang="cs-CZ" smtClean="0"/>
+              <a:pPr/>
               <a:t>1. 6. 2015</a:t>
             </a:fld>
             <a:endParaRPr lang="cs-CZ"/>
@@ -3908,6 +3933,7 @@
           <a:p>
             <a:fld id="{957D486F-D791-4B2E-95A3-F34D76ACB23E}" type="slidenum">
               <a:rPr lang="cs-CZ" smtClean="0"/>
+              <a:pPr/>
               <a:t>‹#›</a:t>
             </a:fld>
             <a:endParaRPr lang="cs-CZ"/>
@@ -4514,7 +4540,7 @@
     </p:spTree>
     <p:extLst>
       <p:ext uri="{BB962C8B-B14F-4D97-AF65-F5344CB8AC3E}">
-        <p14:creationId xmlns:p14="http://schemas.microsoft.com/office/powerpoint/2010/main" val="1300225353"/>
+        <p14:creationId xmlns:p14="http://schemas.microsoft.com/office/powerpoint/2010/main" xmlns="" val="1300225353"/>
       </p:ext>
     </p:extLst>
   </p:cSld>
@@ -4718,7 +4744,7 @@
     </p:spTree>
     <p:extLst>
       <p:ext uri="{BB962C8B-B14F-4D97-AF65-F5344CB8AC3E}">
-        <p14:creationId xmlns:p14="http://schemas.microsoft.com/office/powerpoint/2010/main" val="4191602611"/>
+        <p14:creationId xmlns:p14="http://schemas.microsoft.com/office/powerpoint/2010/main" xmlns="" val="4191602611"/>
       </p:ext>
     </p:extLst>
   </p:cSld>
@@ -4842,6 +4868,39 @@
           </a:p>
         </p:txBody>
       </p:sp>
+      <p:pic>
+        <p:nvPicPr>
+          <p:cNvPr id="1026" name="Picture 2"/>
+          <p:cNvPicPr>
+            <a:picLocks noChangeAspect="1" noChangeArrowheads="1"/>
+          </p:cNvPicPr>
+          <p:nvPr/>
+        </p:nvPicPr>
+        <p:blipFill>
+          <a:blip r:embed="rId2"/>
+          <a:srcRect/>
+          <a:stretch>
+            <a:fillRect/>
+          </a:stretch>
+        </p:blipFill>
+        <p:spPr bwMode="auto">
+          <a:xfrm>
+            <a:off x="5143504" y="1557359"/>
+            <a:ext cx="2609850" cy="4943475"/>
+          </a:xfrm>
+          <a:prstGeom prst="rect">
+            <a:avLst/>
+          </a:prstGeom>
+          <a:noFill/>
+          <a:ln w="9525">
+            <a:noFill/>
+            <a:miter lim="800000"/>
+            <a:headEnd/>
+            <a:tailEnd/>
+          </a:ln>
+          <a:effectLst/>
+        </p:spPr>
+      </p:pic>
     </p:spTree>
   </p:cSld>
   <p:clrMapOvr>

--- a/prezentace.pptx
+++ b/prezentace.pptx
@@ -5,7 +5,7 @@
     <p:sldMasterId id="2147483660" r:id="rId1"/>
   </p:sldMasterIdLst>
   <p:notesMasterIdLst>
-    <p:notesMasterId r:id="rId22"/>
+    <p:notesMasterId r:id="rId23"/>
   </p:notesMasterIdLst>
   <p:sldIdLst>
     <p:sldId id="256" r:id="rId2"/>
@@ -28,6 +28,7 @@
     <p:sldId id="279" r:id="rId19"/>
     <p:sldId id="280" r:id="rId20"/>
     <p:sldId id="267" r:id="rId21"/>
+    <p:sldId id="283" r:id="rId22"/>
   </p:sldIdLst>
   <p:sldSz cx="9144000" cy="6858000" type="screen4x3"/>
   <p:notesSz cx="6858000" cy="9144000"/>
@@ -6040,8 +6041,33 @@
             </a:pPr>
             <a:r>
               <a:rPr lang="cs-CZ" dirty="0" smtClean="0"/>
-              <a:t>Jiří Vrbka</a:t>
-            </a:r>
+              <a:t>Jiří </a:t>
+            </a:r>
+            <a:r>
+              <a:rPr lang="cs-CZ" dirty="0" smtClean="0"/>
+              <a:t>Vrbka</a:t>
+            </a:r>
+          </a:p>
+          <a:p>
+            <a:pPr algn="r">
+              <a:lnSpc>
+                <a:spcPct val="150000"/>
+              </a:lnSpc>
+              <a:buNone/>
+            </a:pPr>
+            <a:r>
+              <a:rPr lang="cs-CZ" dirty="0" smtClean="0"/>
+              <a:t>Vedoucí: </a:t>
+            </a:r>
+            <a:r>
+              <a:rPr lang="cs-CZ" i="1" dirty="0" smtClean="0"/>
+              <a:t>Jiří </a:t>
+            </a:r>
+            <a:r>
+              <a:rPr lang="cs-CZ" i="1" dirty="0" err="1" smtClean="0"/>
+              <a:t>Holuša</a:t>
+            </a:r>
+            <a:endParaRPr lang="cs-CZ" dirty="0" smtClean="0"/>
           </a:p>
           <a:p>
             <a:pPr>
@@ -6123,6 +6149,10 @@
           <a:bodyPr/>
           <a:lstStyle/>
           <a:p>
+            <a:r>
+              <a:rPr lang="cs-CZ" dirty="0" smtClean="0"/>
+              <a:t>Poděkování</a:t>
+            </a:r>
             <a:endParaRPr lang="cs-CZ" dirty="0"/>
           </a:p>
         </p:txBody>
@@ -6144,7 +6174,109 @@
           <a:p>
             <a:r>
               <a:rPr lang="cs-CZ" dirty="0" smtClean="0"/>
-              <a:t>Díky za pozornost</a:t>
+              <a:t>Velké díky patří vedoucímu našeho projektu Bc. Jiřímu </a:t>
+            </a:r>
+            <a:r>
+              <a:rPr lang="cs-CZ" dirty="0" err="1" smtClean="0"/>
+              <a:t>Holušovi</a:t>
+            </a:r>
+            <a:r>
+              <a:rPr lang="cs-CZ" dirty="0" smtClean="0"/>
+              <a:t>, za cenné rady a připomínky.</a:t>
+            </a:r>
+            <a:endParaRPr lang="cs-CZ" dirty="0"/>
+          </a:p>
+        </p:txBody>
+      </p:sp>
+      <p:sp>
+        <p:nvSpPr>
+          <p:cNvPr id="4" name="Zástupný symbol pro zápatí 3"/>
+          <p:cNvSpPr>
+            <a:spLocks noGrp="1"/>
+          </p:cNvSpPr>
+          <p:nvPr>
+            <p:ph type="ftr" sz="quarter" idx="11"/>
+          </p:nvPr>
+        </p:nvSpPr>
+        <p:spPr/>
+        <p:txBody>
+          <a:bodyPr/>
+          <a:lstStyle/>
+          <a:p>
+            <a:r>
+              <a:rPr lang="cs-CZ" smtClean="0"/>
+              <a:t>Bc. Michael Rádl, Jakub Matuška, Lukáš Findura, Jiří Vrbka </a:t>
+            </a:r>
+            <a:endParaRPr lang="cs-CZ"/>
+          </a:p>
+        </p:txBody>
+      </p:sp>
+    </p:spTree>
+  </p:cSld>
+  <p:clrMapOvr>
+    <a:masterClrMapping/>
+  </p:clrMapOvr>
+</p:sld>
+</file>
+
+<file path=ppt/slides/slide21.xml><?xml version="1.0" encoding="utf-8"?>
+<p:sld xmlns:a="http://schemas.openxmlformats.org/drawingml/2006/main" xmlns:r="http://schemas.openxmlformats.org/officeDocument/2006/relationships" xmlns:p="http://schemas.openxmlformats.org/presentationml/2006/main">
+  <p:cSld>
+    <p:spTree>
+      <p:nvGrpSpPr>
+        <p:cNvPr id="1" name=""/>
+        <p:cNvGrpSpPr/>
+        <p:nvPr/>
+      </p:nvGrpSpPr>
+      <p:grpSpPr>
+        <a:xfrm>
+          <a:off x="0" y="0"/>
+          <a:ext cx="0" cy="0"/>
+          <a:chOff x="0" y="0"/>
+          <a:chExt cx="0" cy="0"/>
+        </a:xfrm>
+      </p:grpSpPr>
+      <p:sp>
+        <p:nvSpPr>
+          <p:cNvPr id="2" name="Nadpis 1"/>
+          <p:cNvSpPr>
+            <a:spLocks noGrp="1"/>
+          </p:cNvSpPr>
+          <p:nvPr>
+            <p:ph type="title"/>
+          </p:nvPr>
+        </p:nvSpPr>
+        <p:spPr/>
+        <p:txBody>
+          <a:bodyPr/>
+          <a:lstStyle/>
+          <a:p>
+            <a:r>
+              <a:rPr lang="cs-CZ" dirty="0" smtClean="0"/>
+              <a:t>Poděkování</a:t>
+            </a:r>
+            <a:endParaRPr lang="cs-CZ" dirty="0"/>
+          </a:p>
+        </p:txBody>
+      </p:sp>
+      <p:sp>
+        <p:nvSpPr>
+          <p:cNvPr id="3" name="Zástupný symbol pro obsah 2"/>
+          <p:cNvSpPr>
+            <a:spLocks noGrp="1"/>
+          </p:cNvSpPr>
+          <p:nvPr>
+            <p:ph idx="1"/>
+          </p:nvPr>
+        </p:nvSpPr>
+        <p:spPr/>
+        <p:txBody>
+          <a:bodyPr/>
+          <a:lstStyle/>
+          <a:p>
+            <a:r>
+              <a:rPr lang="cs-CZ" dirty="0" smtClean="0"/>
+              <a:t>Děkujeme za pozornost</a:t>
             </a:r>
             <a:endParaRPr lang="cs-CZ" dirty="0"/>
           </a:p>

--- a/prezentace.pptx
+++ b/prezentace.pptx
@@ -5,7 +5,7 @@
     <p:sldMasterId id="2147483660" r:id="rId1"/>
   </p:sldMasterIdLst>
   <p:notesMasterIdLst>
-    <p:notesMasterId r:id="rId23"/>
+    <p:notesMasterId r:id="rId24"/>
   </p:notesMasterIdLst>
   <p:sldIdLst>
     <p:sldId id="256" r:id="rId2"/>
@@ -27,8 +27,9 @@
     <p:sldId id="278" r:id="rId18"/>
     <p:sldId id="279" r:id="rId19"/>
     <p:sldId id="280" r:id="rId20"/>
-    <p:sldId id="267" r:id="rId21"/>
-    <p:sldId id="283" r:id="rId22"/>
+    <p:sldId id="284" r:id="rId21"/>
+    <p:sldId id="267" r:id="rId22"/>
+    <p:sldId id="283" r:id="rId23"/>
   </p:sldIdLst>
   <p:sldSz cx="9144000" cy="6858000" type="screen4x3"/>
   <p:notesSz cx="6858000" cy="9144000"/>
@@ -129,7 +130,7 @@
   </p:defaultTextStyle>
   <p:extLst>
     <p:ext uri="{EFAFB233-063F-42B5-8137-9DF3F51BA10A}">
-      <p15:sldGuideLst xmlns:p15="http://schemas.microsoft.com/office/powerpoint/2012/main" xmlns="">
+      <p15:sldGuideLst xmlns="" xmlns:p15="http://schemas.microsoft.com/office/powerpoint/2012/main">
         <p15:guide id="1" orient="horz" pos="2160">
           <p15:clr>
             <a:srgbClr val="A4A3A4"/>
@@ -400,7 +401,7 @@
     </p:spTree>
     <p:extLst>
       <p:ext uri="{BB962C8B-B14F-4D97-AF65-F5344CB8AC3E}">
-        <p14:creationId xmlns:p14="http://schemas.microsoft.com/office/powerpoint/2010/main" xmlns="" val="47929628"/>
+        <p14:creationId xmlns="" xmlns:p14="http://schemas.microsoft.com/office/powerpoint/2010/main" val="47929628"/>
       </p:ext>
     </p:extLst>
   </p:cSld>
@@ -4541,7 +4542,7 @@
     </p:spTree>
     <p:extLst>
       <p:ext uri="{BB962C8B-B14F-4D97-AF65-F5344CB8AC3E}">
-        <p14:creationId xmlns:p14="http://schemas.microsoft.com/office/powerpoint/2010/main" xmlns="" val="1300225353"/>
+        <p14:creationId xmlns="" xmlns:p14="http://schemas.microsoft.com/office/powerpoint/2010/main" val="1300225353"/>
       </p:ext>
     </p:extLst>
   </p:cSld>
@@ -4745,7 +4746,7 @@
     </p:spTree>
     <p:extLst>
       <p:ext uri="{BB962C8B-B14F-4D97-AF65-F5344CB8AC3E}">
-        <p14:creationId xmlns:p14="http://schemas.microsoft.com/office/powerpoint/2010/main" xmlns="" val="4191602611"/>
+        <p14:creationId xmlns="" xmlns:p14="http://schemas.microsoft.com/office/powerpoint/2010/main" val="4191602611"/>
       </p:ext>
     </p:extLst>
   </p:cSld>
@@ -6041,11 +6042,7 @@
             </a:pPr>
             <a:r>
               <a:rPr lang="cs-CZ" dirty="0" smtClean="0"/>
-              <a:t>Jiří </a:t>
-            </a:r>
-            <a:r>
-              <a:rPr lang="cs-CZ" dirty="0" smtClean="0"/>
-              <a:t>Vrbka</a:t>
+              <a:t>Jiří Vrbka</a:t>
             </a:r>
           </a:p>
           <a:p>
@@ -6151,6 +6148,189 @@
           <a:p>
             <a:r>
               <a:rPr lang="cs-CZ" dirty="0" smtClean="0"/>
+              <a:t>Dokumentace</a:t>
+            </a:r>
+            <a:endParaRPr lang="cs-CZ" dirty="0"/>
+          </a:p>
+        </p:txBody>
+      </p:sp>
+      <p:sp>
+        <p:nvSpPr>
+          <p:cNvPr id="3" name="Zástupný symbol pro obsah 2"/>
+          <p:cNvSpPr>
+            <a:spLocks noGrp="1"/>
+          </p:cNvSpPr>
+          <p:nvPr>
+            <p:ph idx="1"/>
+          </p:nvPr>
+        </p:nvSpPr>
+        <p:spPr>
+          <a:xfrm>
+            <a:off x="457200" y="1775191"/>
+            <a:ext cx="8686800" cy="4625609"/>
+          </a:xfrm>
+        </p:spPr>
+        <p:txBody>
+          <a:bodyPr/>
+          <a:lstStyle/>
+          <a:p>
+            <a:r>
+              <a:rPr lang="cs-CZ" dirty="0" smtClean="0"/>
+              <a:t>Kód dokumentován pomocí C# </a:t>
+            </a:r>
+            <a:r>
+              <a:rPr lang="cs-CZ" dirty="0" err="1" smtClean="0"/>
+              <a:t>xml</a:t>
+            </a:r>
+            <a:r>
+              <a:rPr lang="cs-CZ" dirty="0" smtClean="0"/>
+              <a:t> komentářů</a:t>
+            </a:r>
+          </a:p>
+          <a:p>
+            <a:pPr lvl="1"/>
+            <a:endParaRPr lang="cs-CZ" dirty="0" smtClean="0"/>
+          </a:p>
+        </p:txBody>
+      </p:sp>
+      <p:sp>
+        <p:nvSpPr>
+          <p:cNvPr id="4" name="Zástupný symbol pro zápatí 3"/>
+          <p:cNvSpPr>
+            <a:spLocks noGrp="1"/>
+          </p:cNvSpPr>
+          <p:nvPr>
+            <p:ph type="ftr" sz="quarter" idx="11"/>
+          </p:nvPr>
+        </p:nvSpPr>
+        <p:spPr/>
+        <p:txBody>
+          <a:bodyPr/>
+          <a:lstStyle/>
+          <a:p>
+            <a:r>
+              <a:rPr lang="cs-CZ" smtClean="0"/>
+              <a:t>Bc. Michael Rádl, Jakub Matuška, Lukáš Findura, Jiří Vrbka </a:t>
+            </a:r>
+            <a:endParaRPr lang="cs-CZ"/>
+          </a:p>
+        </p:txBody>
+      </p:sp>
+      <p:pic>
+        <p:nvPicPr>
+          <p:cNvPr id="1026" name="Picture 2"/>
+          <p:cNvPicPr>
+            <a:picLocks noChangeAspect="1" noChangeArrowheads="1"/>
+          </p:cNvPicPr>
+          <p:nvPr/>
+        </p:nvPicPr>
+        <p:blipFill>
+          <a:blip r:embed="rId2"/>
+          <a:srcRect/>
+          <a:stretch>
+            <a:fillRect/>
+          </a:stretch>
+        </p:blipFill>
+        <p:spPr bwMode="auto">
+          <a:xfrm>
+            <a:off x="1643042" y="2428868"/>
+            <a:ext cx="5991225" cy="1895475"/>
+          </a:xfrm>
+          <a:prstGeom prst="rect">
+            <a:avLst/>
+          </a:prstGeom>
+          <a:noFill/>
+          <a:ln w="9525">
+            <a:noFill/>
+            <a:miter lim="800000"/>
+            <a:headEnd/>
+            <a:tailEnd/>
+          </a:ln>
+          <a:effectLst/>
+        </p:spPr>
+      </p:pic>
+      <p:pic>
+        <p:nvPicPr>
+          <p:cNvPr id="1027" name="Picture 3"/>
+          <p:cNvPicPr>
+            <a:picLocks noChangeAspect="1" noChangeArrowheads="1"/>
+          </p:cNvPicPr>
+          <p:nvPr/>
+        </p:nvPicPr>
+        <p:blipFill>
+          <a:blip r:embed="rId3"/>
+          <a:srcRect/>
+          <a:stretch>
+            <a:fillRect/>
+          </a:stretch>
+        </p:blipFill>
+        <p:spPr bwMode="auto">
+          <a:xfrm>
+            <a:off x="1214414" y="4572008"/>
+            <a:ext cx="7019925" cy="1695450"/>
+          </a:xfrm>
+          <a:prstGeom prst="rect">
+            <a:avLst/>
+          </a:prstGeom>
+          <a:noFill/>
+          <a:ln w="9525">
+            <a:noFill/>
+            <a:miter lim="800000"/>
+            <a:headEnd/>
+            <a:tailEnd/>
+          </a:ln>
+          <a:effectLst/>
+        </p:spPr>
+      </p:pic>
+    </p:spTree>
+  </p:cSld>
+  <p:clrMapOvr>
+    <a:masterClrMapping/>
+  </p:clrMapOvr>
+  <p:timing>
+    <p:tnLst>
+      <p:par>
+        <p:cTn id="1" dur="indefinite" restart="never" nodeType="tmRoot"/>
+      </p:par>
+    </p:tnLst>
+  </p:timing>
+</p:sld>
+</file>
+
+<file path=ppt/slides/slide21.xml><?xml version="1.0" encoding="utf-8"?>
+<p:sld xmlns:a="http://schemas.openxmlformats.org/drawingml/2006/main" xmlns:r="http://schemas.openxmlformats.org/officeDocument/2006/relationships" xmlns:p="http://schemas.openxmlformats.org/presentationml/2006/main">
+  <p:cSld>
+    <p:spTree>
+      <p:nvGrpSpPr>
+        <p:cNvPr id="1" name=""/>
+        <p:cNvGrpSpPr/>
+        <p:nvPr/>
+      </p:nvGrpSpPr>
+      <p:grpSpPr>
+        <a:xfrm>
+          <a:off x="0" y="0"/>
+          <a:ext cx="0" cy="0"/>
+          <a:chOff x="0" y="0"/>
+          <a:chExt cx="0" cy="0"/>
+        </a:xfrm>
+      </p:grpSpPr>
+      <p:sp>
+        <p:nvSpPr>
+          <p:cNvPr id="2" name="Nadpis 1"/>
+          <p:cNvSpPr>
+            <a:spLocks noGrp="1"/>
+          </p:cNvSpPr>
+          <p:nvPr>
+            <p:ph type="title"/>
+          </p:nvPr>
+        </p:nvSpPr>
+        <p:spPr/>
+        <p:txBody>
+          <a:bodyPr/>
+          <a:lstStyle/>
+          <a:p>
+            <a:r>
+              <a:rPr lang="cs-CZ" dirty="0" smtClean="0"/>
               <a:t>Poděkování</a:t>
             </a:r>
             <a:endParaRPr lang="cs-CZ" dirty="0"/>
@@ -6219,7 +6399,7 @@
 </p:sld>
 </file>
 
-<file path=ppt/slides/slide21.xml><?xml version="1.0" encoding="utf-8"?>
+<file path=ppt/slides/slide22.xml><?xml version="1.0" encoding="utf-8"?>
 <p:sld xmlns:a="http://schemas.openxmlformats.org/drawingml/2006/main" xmlns:r="http://schemas.openxmlformats.org/officeDocument/2006/relationships" xmlns:p="http://schemas.openxmlformats.org/presentationml/2006/main">
   <p:cSld>
     <p:spTree>

--- a/prezentace.pptx
+++ b/prezentace.pptx
@@ -5,7 +5,7 @@
     <p:sldMasterId id="2147483660" r:id="rId1"/>
   </p:sldMasterIdLst>
   <p:notesMasterIdLst>
-    <p:notesMasterId r:id="rId24"/>
+    <p:notesMasterId r:id="rId25"/>
   </p:notesMasterIdLst>
   <p:sldIdLst>
     <p:sldId id="256" r:id="rId2"/>
@@ -17,19 +17,20 @@
     <p:sldId id="271" r:id="rId8"/>
     <p:sldId id="272" r:id="rId9"/>
     <p:sldId id="273" r:id="rId10"/>
-    <p:sldId id="282" r:id="rId11"/>
-    <p:sldId id="281" r:id="rId12"/>
-    <p:sldId id="259" r:id="rId13"/>
-    <p:sldId id="274" r:id="rId14"/>
-    <p:sldId id="275" r:id="rId15"/>
-    <p:sldId id="276" r:id="rId16"/>
-    <p:sldId id="277" r:id="rId17"/>
-    <p:sldId id="278" r:id="rId18"/>
-    <p:sldId id="279" r:id="rId19"/>
-    <p:sldId id="280" r:id="rId20"/>
-    <p:sldId id="284" r:id="rId21"/>
-    <p:sldId id="267" r:id="rId22"/>
-    <p:sldId id="283" r:id="rId23"/>
+    <p:sldId id="285" r:id="rId11"/>
+    <p:sldId id="282" r:id="rId12"/>
+    <p:sldId id="281" r:id="rId13"/>
+    <p:sldId id="259" r:id="rId14"/>
+    <p:sldId id="274" r:id="rId15"/>
+    <p:sldId id="275" r:id="rId16"/>
+    <p:sldId id="276" r:id="rId17"/>
+    <p:sldId id="277" r:id="rId18"/>
+    <p:sldId id="278" r:id="rId19"/>
+    <p:sldId id="279" r:id="rId20"/>
+    <p:sldId id="280" r:id="rId21"/>
+    <p:sldId id="284" r:id="rId22"/>
+    <p:sldId id="267" r:id="rId23"/>
+    <p:sldId id="283" r:id="rId24"/>
   </p:sldIdLst>
   <p:sldSz cx="9144000" cy="6858000" type="screen4x3"/>
   <p:notesSz cx="6858000" cy="9144000"/>
@@ -130,7 +131,7 @@
   </p:defaultTextStyle>
   <p:extLst>
     <p:ext uri="{EFAFB233-063F-42B5-8137-9DF3F51BA10A}">
-      <p15:sldGuideLst xmlns="" xmlns:p15="http://schemas.microsoft.com/office/powerpoint/2012/main">
+      <p15:sldGuideLst xmlns:p15="http://schemas.microsoft.com/office/powerpoint/2012/main">
         <p15:guide id="1" orient="horz" pos="2160">
           <p15:clr>
             <a:srgbClr val="A4A3A4"/>
@@ -230,7 +231,7 @@
             <a:fld id="{C4B74310-2026-40DA-BD07-DC8CE7A467C6}" type="datetimeFigureOut">
               <a:rPr lang="cs-CZ" smtClean="0"/>
               <a:pPr/>
-              <a:t>1. 6. 2015</a:t>
+              <a:t>2.6.2015</a:t>
             </a:fld>
             <a:endParaRPr lang="cs-CZ"/>
           </a:p>
@@ -401,7 +402,7 @@
     </p:spTree>
     <p:extLst>
       <p:ext uri="{BB962C8B-B14F-4D97-AF65-F5344CB8AC3E}">
-        <p14:creationId xmlns="" xmlns:p14="http://schemas.microsoft.com/office/powerpoint/2010/main" val="47929628"/>
+        <p14:creationId xmlns:p14="http://schemas.microsoft.com/office/powerpoint/2010/main" val="47929628"/>
       </p:ext>
     </p:extLst>
   </p:cSld>
@@ -750,7 +751,7 @@
             <a:fld id="{930F3E6F-97C0-416F-BCD9-1660EFEEE5E5}" type="datetime1">
               <a:rPr lang="cs-CZ" smtClean="0"/>
               <a:pPr/>
-              <a:t>1. 6. 2015</a:t>
+              <a:t>2.6.2015</a:t>
             </a:fld>
             <a:endParaRPr lang="cs-CZ"/>
           </a:p>
@@ -979,7 +980,7 @@
             <a:fld id="{F156832B-4CD4-4C22-91B7-38A4FC0FD16B}" type="datetime1">
               <a:rPr lang="cs-CZ" smtClean="0"/>
               <a:pPr/>
-              <a:t>1. 6. 2015</a:t>
+              <a:t>2.6.2015</a:t>
             </a:fld>
             <a:endParaRPr lang="cs-CZ"/>
           </a:p>
@@ -1265,7 +1266,7 @@
             <a:fld id="{CD357F94-2321-46FD-AAD2-546E88C9A740}" type="datetime1">
               <a:rPr lang="cs-CZ" smtClean="0"/>
               <a:pPr/>
-              <a:t>1. 6. 2015</a:t>
+              <a:t>2.6.2015</a:t>
             </a:fld>
             <a:endParaRPr lang="cs-CZ"/>
           </a:p>
@@ -1450,7 +1451,7 @@
             <a:fld id="{618892BB-346E-4821-A819-3B5A64BCC351}" type="datetime1">
               <a:rPr lang="cs-CZ" smtClean="0"/>
               <a:pPr/>
-              <a:t>1. 6. 2015</a:t>
+              <a:t>2.6.2015</a:t>
             </a:fld>
             <a:endParaRPr lang="cs-CZ"/>
           </a:p>
@@ -1814,7 +1815,7 @@
             <a:fld id="{F1F8B1D9-216B-454E-9022-52C09F689440}" type="datetime1">
               <a:rPr lang="cs-CZ" smtClean="0"/>
               <a:pPr/>
-              <a:t>1. 6. 2015</a:t>
+              <a:t>2.6.2015</a:t>
             </a:fld>
             <a:endParaRPr lang="cs-CZ"/>
           </a:p>
@@ -2107,7 +2108,7 @@
             <a:fld id="{B3981E2F-DC77-41D8-9BE4-1063F18D1F35}" type="datetime1">
               <a:rPr lang="cs-CZ" smtClean="0"/>
               <a:pPr/>
-              <a:t>1. 6. 2015</a:t>
+              <a:t>2.6.2015</a:t>
             </a:fld>
             <a:endParaRPr lang="cs-CZ"/>
           </a:p>
@@ -2535,7 +2536,7 @@
             <a:fld id="{AE7DEE52-D5CD-4B6A-A5BF-70FE3F8B9E2C}" type="datetime1">
               <a:rPr lang="cs-CZ" smtClean="0"/>
               <a:pPr/>
-              <a:t>1. 6. 2015</a:t>
+              <a:t>2.6.2015</a:t>
             </a:fld>
             <a:endParaRPr lang="cs-CZ"/>
           </a:p>
@@ -2656,7 +2657,7 @@
             <a:fld id="{FD34A845-E794-464B-A11A-C043E89C4867}" type="datetime1">
               <a:rPr lang="cs-CZ" smtClean="0"/>
               <a:pPr/>
-              <a:t>1. 6. 2015</a:t>
+              <a:t>2.6.2015</a:t>
             </a:fld>
             <a:endParaRPr lang="cs-CZ"/>
           </a:p>
@@ -2752,7 +2753,7 @@
             <a:fld id="{025F9674-8544-43AF-8957-3D61583EAEC1}" type="datetime1">
               <a:rPr lang="cs-CZ" smtClean="0"/>
               <a:pPr/>
-              <a:t>1. 6. 2015</a:t>
+              <a:t>2.6.2015</a:t>
             </a:fld>
             <a:endParaRPr lang="cs-CZ"/>
           </a:p>
@@ -3036,7 +3037,7 @@
             <a:fld id="{AB818026-8D56-4DA8-BDD5-4AE1168E8C5C}" type="datetime1">
               <a:rPr lang="cs-CZ" smtClean="0"/>
               <a:pPr/>
-              <a:t>1. 6. 2015</a:t>
+              <a:t>2.6.2015</a:t>
             </a:fld>
             <a:endParaRPr lang="cs-CZ"/>
           </a:p>
@@ -3408,7 +3409,7 @@
             <a:fld id="{18BA4AD2-5881-4816-B728-0B8DE44AF3FE}" type="datetime1">
               <a:rPr lang="cs-CZ" smtClean="0"/>
               <a:pPr/>
-              <a:t>1. 6. 2015</a:t>
+              <a:t>2.6.2015</a:t>
             </a:fld>
             <a:endParaRPr lang="cs-CZ"/>
           </a:p>
@@ -3851,7 +3852,7 @@
             <a:fld id="{CAD73407-270E-4A3E-8E41-CA704BA75C1A}" type="datetime1">
               <a:rPr lang="cs-CZ" smtClean="0"/>
               <a:pPr/>
-              <a:t>1. 6. 2015</a:t>
+              <a:t>2.6.2015</a:t>
             </a:fld>
             <a:endParaRPr lang="cs-CZ"/>
           </a:p>
@@ -4393,6 +4394,165 @@
           <a:chExt cx="0" cy="0"/>
         </a:xfrm>
       </p:grpSpPr>
+      <p:sp>
+        <p:nvSpPr>
+          <p:cNvPr id="2" name="Nadpis 1"/>
+          <p:cNvSpPr>
+            <a:spLocks noGrp="1"/>
+          </p:cNvSpPr>
+          <p:nvPr>
+            <p:ph type="title"/>
+          </p:nvPr>
+        </p:nvSpPr>
+        <p:spPr/>
+        <p:txBody>
+          <a:bodyPr/>
+          <a:lstStyle/>
+          <a:p>
+            <a:r>
+              <a:rPr lang="cs-CZ" dirty="0" smtClean="0"/>
+              <a:t>Naplnění zadání</a:t>
+            </a:r>
+            <a:endParaRPr lang="cs-CZ" dirty="0"/>
+          </a:p>
+        </p:txBody>
+      </p:sp>
+      <p:sp>
+        <p:nvSpPr>
+          <p:cNvPr id="3" name="Zástupný symbol pro obsah 2"/>
+          <p:cNvSpPr>
+            <a:spLocks noGrp="1"/>
+          </p:cNvSpPr>
+          <p:nvPr>
+            <p:ph idx="1"/>
+          </p:nvPr>
+        </p:nvSpPr>
+        <p:spPr>
+          <a:xfrm>
+            <a:off x="457200" y="1775191"/>
+            <a:ext cx="8401080" cy="4625609"/>
+          </a:xfrm>
+        </p:spPr>
+        <p:txBody>
+          <a:bodyPr/>
+          <a:lstStyle/>
+          <a:p>
+            <a:r>
+              <a:rPr lang="cs-CZ" dirty="0" smtClean="0"/>
+              <a:t>Unit testy</a:t>
+            </a:r>
+            <a:endParaRPr lang="cs-CZ" dirty="0"/>
+          </a:p>
+        </p:txBody>
+      </p:sp>
+      <p:sp>
+        <p:nvSpPr>
+          <p:cNvPr id="4" name="Zástupný symbol pro zápatí 3"/>
+          <p:cNvSpPr>
+            <a:spLocks noGrp="1"/>
+          </p:cNvSpPr>
+          <p:nvPr>
+            <p:ph type="ftr" sz="quarter" idx="11"/>
+          </p:nvPr>
+        </p:nvSpPr>
+        <p:spPr/>
+        <p:txBody>
+          <a:bodyPr/>
+          <a:lstStyle/>
+          <a:p>
+            <a:r>
+              <a:rPr lang="cs-CZ" smtClean="0"/>
+              <a:t>Bc. Michael Rádl, Jakub Matuška, Lukáš Findura, Jiří Vrbka </a:t>
+            </a:r>
+            <a:endParaRPr lang="cs-CZ"/>
+          </a:p>
+        </p:txBody>
+      </p:sp>
+      <p:pic>
+        <p:nvPicPr>
+          <p:cNvPr id="6" name="Obrázek 5"/>
+          <p:cNvPicPr>
+            <a:picLocks noChangeAspect="1"/>
+          </p:cNvPicPr>
+          <p:nvPr/>
+        </p:nvPicPr>
+        <p:blipFill>
+          <a:blip r:embed="rId2"/>
+          <a:stretch>
+            <a:fillRect/>
+          </a:stretch>
+        </p:blipFill>
+        <p:spPr>
+          <a:xfrm>
+            <a:off x="323528" y="2381969"/>
+            <a:ext cx="4171950" cy="4143375"/>
+          </a:xfrm>
+          <a:prstGeom prst="rect">
+            <a:avLst/>
+          </a:prstGeom>
+        </p:spPr>
+      </p:pic>
+      <p:pic>
+        <p:nvPicPr>
+          <p:cNvPr id="7" name="Obrázek 6"/>
+          <p:cNvPicPr>
+            <a:picLocks noChangeAspect="1"/>
+          </p:cNvPicPr>
+          <p:nvPr/>
+        </p:nvPicPr>
+        <p:blipFill>
+          <a:blip r:embed="rId3"/>
+          <a:stretch>
+            <a:fillRect/>
+          </a:stretch>
+        </p:blipFill>
+        <p:spPr>
+          <a:xfrm>
+            <a:off x="4574528" y="2991569"/>
+            <a:ext cx="4171950" cy="3533775"/>
+          </a:xfrm>
+          <a:prstGeom prst="rect">
+            <a:avLst/>
+          </a:prstGeom>
+        </p:spPr>
+      </p:pic>
+    </p:spTree>
+    <p:extLst>
+      <p:ext uri="{BB962C8B-B14F-4D97-AF65-F5344CB8AC3E}">
+        <p14:creationId xmlns:p14="http://schemas.microsoft.com/office/powerpoint/2010/main" val="3495606143"/>
+      </p:ext>
+    </p:extLst>
+  </p:cSld>
+  <p:clrMapOvr>
+    <a:masterClrMapping/>
+  </p:clrMapOvr>
+  <p:timing>
+    <p:tnLst>
+      <p:par>
+        <p:cTn id="1" dur="indefinite" restart="never" nodeType="tmRoot"/>
+      </p:par>
+    </p:tnLst>
+  </p:timing>
+</p:sld>
+</file>
+
+<file path=ppt/slides/slide11.xml><?xml version="1.0" encoding="utf-8"?>
+<p:sld xmlns:a="http://schemas.openxmlformats.org/drawingml/2006/main" xmlns:r="http://schemas.openxmlformats.org/officeDocument/2006/relationships" xmlns:p="http://schemas.openxmlformats.org/presentationml/2006/main">
+  <p:cSld>
+    <p:spTree>
+      <p:nvGrpSpPr>
+        <p:cNvPr id="1" name=""/>
+        <p:cNvGrpSpPr/>
+        <p:nvPr/>
+      </p:nvGrpSpPr>
+      <p:grpSpPr>
+        <a:xfrm>
+          <a:off x="0" y="0"/>
+          <a:ext cx="0" cy="0"/>
+          <a:chOff x="0" y="0"/>
+          <a:chExt cx="0" cy="0"/>
+        </a:xfrm>
+      </p:grpSpPr>
       <p:pic>
         <p:nvPicPr>
           <p:cNvPr id="5" name="Obrázok 4"/>
@@ -4542,7 +4702,7 @@
     </p:spTree>
     <p:extLst>
       <p:ext uri="{BB962C8B-B14F-4D97-AF65-F5344CB8AC3E}">
-        <p14:creationId xmlns="" xmlns:p14="http://schemas.microsoft.com/office/powerpoint/2010/main" val="1300225353"/>
+        <p14:creationId xmlns:p14="http://schemas.microsoft.com/office/powerpoint/2010/main" val="1300225353"/>
       </p:ext>
     </p:extLst>
   </p:cSld>
@@ -4552,7 +4712,7 @@
 </p:sld>
 </file>
 
-<file path=ppt/slides/slide11.xml><?xml version="1.0" encoding="utf-8"?>
+<file path=ppt/slides/slide12.xml><?xml version="1.0" encoding="utf-8"?>
 <p:sld xmlns:a="http://schemas.openxmlformats.org/drawingml/2006/main" xmlns:r="http://schemas.openxmlformats.org/officeDocument/2006/relationships" xmlns:p="http://schemas.openxmlformats.org/presentationml/2006/main">
   <p:cSld>
     <p:spTree>
@@ -4746,7 +4906,7 @@
     </p:spTree>
     <p:extLst>
       <p:ext uri="{BB962C8B-B14F-4D97-AF65-F5344CB8AC3E}">
-        <p14:creationId xmlns="" xmlns:p14="http://schemas.microsoft.com/office/powerpoint/2010/main" val="4191602611"/>
+        <p14:creationId xmlns:p14="http://schemas.microsoft.com/office/powerpoint/2010/main" val="4191602611"/>
       </p:ext>
     </p:extLst>
   </p:cSld>
@@ -4756,7 +4916,7 @@
 </p:sld>
 </file>
 
-<file path=ppt/slides/slide12.xml><?xml version="1.0" encoding="utf-8"?>
+<file path=ppt/slides/slide13.xml><?xml version="1.0" encoding="utf-8"?>
 <p:sld xmlns:a="http://schemas.openxmlformats.org/drawingml/2006/main" xmlns:r="http://schemas.openxmlformats.org/officeDocument/2006/relationships" xmlns:p="http://schemas.openxmlformats.org/presentationml/2006/main">
   <p:cSld>
     <p:spTree>
@@ -4918,7 +5078,7 @@
 </p:sld>
 </file>
 
-<file path=ppt/slides/slide13.xml><?xml version="1.0" encoding="utf-8"?>
+<file path=ppt/slides/slide14.xml><?xml version="1.0" encoding="utf-8"?>
 <p:sld xmlns:a="http://schemas.openxmlformats.org/drawingml/2006/main" xmlns:r="http://schemas.openxmlformats.org/officeDocument/2006/relationships" xmlns:p="http://schemas.openxmlformats.org/presentationml/2006/main">
   <p:cSld>
     <p:spTree>
@@ -5066,7 +5226,7 @@
 </p:sld>
 </file>
 
-<file path=ppt/slides/slide14.xml><?xml version="1.0" encoding="utf-8"?>
+<file path=ppt/slides/slide15.xml><?xml version="1.0" encoding="utf-8"?>
 <p:sld xmlns:a="http://schemas.openxmlformats.org/drawingml/2006/main" xmlns:r="http://schemas.openxmlformats.org/officeDocument/2006/relationships" xmlns:p="http://schemas.openxmlformats.org/presentationml/2006/main">
   <p:cSld>
     <p:spTree>
@@ -5223,7 +5383,7 @@
 </p:sld>
 </file>
 
-<file path=ppt/slides/slide15.xml><?xml version="1.0" encoding="utf-8"?>
+<file path=ppt/slides/slide16.xml><?xml version="1.0" encoding="utf-8"?>
 <p:sld xmlns:a="http://schemas.openxmlformats.org/drawingml/2006/main" xmlns:r="http://schemas.openxmlformats.org/officeDocument/2006/relationships" xmlns:p="http://schemas.openxmlformats.org/presentationml/2006/main">
   <p:cSld>
     <p:spTree>
@@ -5364,7 +5524,7 @@
 </p:sld>
 </file>
 
-<file path=ppt/slides/slide16.xml><?xml version="1.0" encoding="utf-8"?>
+<file path=ppt/slides/slide17.xml><?xml version="1.0" encoding="utf-8"?>
 <p:sld xmlns:a="http://schemas.openxmlformats.org/drawingml/2006/main" xmlns:r="http://schemas.openxmlformats.org/officeDocument/2006/relationships" xmlns:p="http://schemas.openxmlformats.org/presentationml/2006/main">
   <p:cSld>
     <p:spTree>
@@ -5504,7 +5664,7 @@
 </p:sld>
 </file>
 
-<file path=ppt/slides/slide17.xml><?xml version="1.0" encoding="utf-8"?>
+<file path=ppt/slides/slide18.xml><?xml version="1.0" encoding="utf-8"?>
 <p:sld xmlns:a="http://schemas.openxmlformats.org/drawingml/2006/main" xmlns:r="http://schemas.openxmlformats.org/officeDocument/2006/relationships" xmlns:p="http://schemas.openxmlformats.org/presentationml/2006/main">
   <p:cSld>
     <p:spTree>
@@ -5646,7 +5806,7 @@
 </p:sld>
 </file>
 
-<file path=ppt/slides/slide18.xml><?xml version="1.0" encoding="utf-8"?>
+<file path=ppt/slides/slide19.xml><?xml version="1.0" encoding="utf-8"?>
 <p:sld xmlns:a="http://schemas.openxmlformats.org/drawingml/2006/main" xmlns:r="http://schemas.openxmlformats.org/officeDocument/2006/relationships" xmlns:p="http://schemas.openxmlformats.org/presentationml/2006/main">
   <p:cSld>
     <p:spTree>
@@ -5791,7 +5951,184 @@
 </p:sld>
 </file>
 
-<file path=ppt/slides/slide19.xml><?xml version="1.0" encoding="utf-8"?>
+<file path=ppt/slides/slide2.xml><?xml version="1.0" encoding="utf-8"?>
+<p:sld xmlns:a="http://schemas.openxmlformats.org/drawingml/2006/main" xmlns:r="http://schemas.openxmlformats.org/officeDocument/2006/relationships" xmlns:p="http://schemas.openxmlformats.org/presentationml/2006/main">
+  <p:cSld>
+    <p:spTree>
+      <p:nvGrpSpPr>
+        <p:cNvPr id="1" name=""/>
+        <p:cNvGrpSpPr/>
+        <p:nvPr/>
+      </p:nvGrpSpPr>
+      <p:grpSpPr>
+        <a:xfrm>
+          <a:off x="0" y="0"/>
+          <a:ext cx="0" cy="0"/>
+          <a:chOff x="0" y="0"/>
+          <a:chExt cx="0" cy="0"/>
+        </a:xfrm>
+      </p:grpSpPr>
+      <p:sp>
+        <p:nvSpPr>
+          <p:cNvPr id="2" name="Nadpis 1"/>
+          <p:cNvSpPr>
+            <a:spLocks noGrp="1"/>
+          </p:cNvSpPr>
+          <p:nvPr>
+            <p:ph type="title"/>
+          </p:nvPr>
+        </p:nvSpPr>
+        <p:spPr/>
+        <p:txBody>
+          <a:bodyPr/>
+          <a:lstStyle/>
+          <a:p>
+            <a:r>
+              <a:rPr lang="cs-CZ" dirty="0" smtClean="0"/>
+              <a:t>Autoři</a:t>
+            </a:r>
+            <a:endParaRPr lang="cs-CZ" dirty="0"/>
+          </a:p>
+        </p:txBody>
+      </p:sp>
+      <p:sp>
+        <p:nvSpPr>
+          <p:cNvPr id="3" name="Zástupný symbol pro obsah 2"/>
+          <p:cNvSpPr>
+            <a:spLocks noGrp="1"/>
+          </p:cNvSpPr>
+          <p:nvPr>
+            <p:ph idx="1"/>
+          </p:nvPr>
+        </p:nvSpPr>
+        <p:spPr/>
+        <p:txBody>
+          <a:bodyPr/>
+          <a:lstStyle/>
+          <a:p>
+            <a:pPr>
+              <a:lnSpc>
+                <a:spcPct val="150000"/>
+              </a:lnSpc>
+            </a:pPr>
+            <a:r>
+              <a:rPr lang="cs-CZ" dirty="0" smtClean="0"/>
+              <a:t>Bc. Michael </a:t>
+            </a:r>
+            <a:r>
+              <a:rPr lang="cs-CZ" dirty="0" err="1" smtClean="0"/>
+              <a:t>Rádl</a:t>
+            </a:r>
+            <a:endParaRPr lang="cs-CZ" dirty="0" smtClean="0"/>
+          </a:p>
+          <a:p>
+            <a:pPr>
+              <a:lnSpc>
+                <a:spcPct val="150000"/>
+              </a:lnSpc>
+            </a:pPr>
+            <a:r>
+              <a:rPr lang="cs-CZ" dirty="0" smtClean="0"/>
+              <a:t>Jakub Matuška</a:t>
+            </a:r>
+          </a:p>
+          <a:p>
+            <a:pPr>
+              <a:lnSpc>
+                <a:spcPct val="150000"/>
+              </a:lnSpc>
+            </a:pPr>
+            <a:r>
+              <a:rPr lang="cs-CZ" dirty="0" smtClean="0"/>
+              <a:t>Lukáš </a:t>
+            </a:r>
+            <a:r>
+              <a:rPr lang="cs-CZ" dirty="0" err="1" smtClean="0"/>
+              <a:t>Findura</a:t>
+            </a:r>
+            <a:endParaRPr lang="cs-CZ" dirty="0" smtClean="0"/>
+          </a:p>
+          <a:p>
+            <a:pPr>
+              <a:lnSpc>
+                <a:spcPct val="150000"/>
+              </a:lnSpc>
+            </a:pPr>
+            <a:r>
+              <a:rPr lang="cs-CZ" dirty="0" smtClean="0"/>
+              <a:t>Jiří Vrbka</a:t>
+            </a:r>
+          </a:p>
+          <a:p>
+            <a:pPr algn="r">
+              <a:lnSpc>
+                <a:spcPct val="150000"/>
+              </a:lnSpc>
+              <a:buNone/>
+            </a:pPr>
+            <a:r>
+              <a:rPr lang="cs-CZ" dirty="0" smtClean="0"/>
+              <a:t>Vedoucí: </a:t>
+            </a:r>
+            <a:r>
+              <a:rPr lang="cs-CZ" i="1" dirty="0" smtClean="0"/>
+              <a:t>Jiří </a:t>
+            </a:r>
+            <a:r>
+              <a:rPr lang="cs-CZ" i="1" dirty="0" err="1" smtClean="0"/>
+              <a:t>Holuša</a:t>
+            </a:r>
+            <a:endParaRPr lang="cs-CZ" dirty="0" smtClean="0"/>
+          </a:p>
+          <a:p>
+            <a:pPr>
+              <a:lnSpc>
+                <a:spcPct val="150000"/>
+              </a:lnSpc>
+            </a:pPr>
+            <a:endParaRPr lang="cs-CZ" dirty="0"/>
+          </a:p>
+        </p:txBody>
+      </p:sp>
+      <p:sp>
+        <p:nvSpPr>
+          <p:cNvPr id="4" name="Zástupný symbol pro zápatí 3"/>
+          <p:cNvSpPr>
+            <a:spLocks noGrp="1"/>
+          </p:cNvSpPr>
+          <p:nvPr>
+            <p:ph type="ftr" sz="quarter" idx="11"/>
+          </p:nvPr>
+        </p:nvSpPr>
+        <p:spPr/>
+        <p:txBody>
+          <a:bodyPr/>
+          <a:lstStyle/>
+          <a:p>
+            <a:r>
+              <a:rPr lang="cs-CZ" smtClean="0"/>
+              <a:t>Bc. Michael Rádl, Jakub Matuška, Lukáš Findura, Jiří Vrbka </a:t>
+            </a:r>
+            <a:endParaRPr lang="cs-CZ"/>
+          </a:p>
+        </p:txBody>
+      </p:sp>
+    </p:spTree>
+  </p:cSld>
+  <p:clrMapOvr>
+    <a:masterClrMapping/>
+  </p:clrMapOvr>
+  <p:timing>
+    <p:tnLst>
+      <p:par>
+        <p:cTn id="1" dur="indefinite" restart="never" nodeType="tmRoot"/>
+      </p:par>
+    </p:tnLst>
+  </p:timing>
+</p:sld>
+</file>
+
+<file path=ppt/slides/slide20.xml><?xml version="1.0" encoding="utf-8"?>
 <p:sld xmlns:a="http://schemas.openxmlformats.org/drawingml/2006/main" xmlns:r="http://schemas.openxmlformats.org/officeDocument/2006/relationships" xmlns:p="http://schemas.openxmlformats.org/presentationml/2006/main">
   <p:cSld>
     <p:spTree>
@@ -5937,184 +6274,7 @@
 </p:sld>
 </file>
 
-<file path=ppt/slides/slide2.xml><?xml version="1.0" encoding="utf-8"?>
-<p:sld xmlns:a="http://schemas.openxmlformats.org/drawingml/2006/main" xmlns:r="http://schemas.openxmlformats.org/officeDocument/2006/relationships" xmlns:p="http://schemas.openxmlformats.org/presentationml/2006/main">
-  <p:cSld>
-    <p:spTree>
-      <p:nvGrpSpPr>
-        <p:cNvPr id="1" name=""/>
-        <p:cNvGrpSpPr/>
-        <p:nvPr/>
-      </p:nvGrpSpPr>
-      <p:grpSpPr>
-        <a:xfrm>
-          <a:off x="0" y="0"/>
-          <a:ext cx="0" cy="0"/>
-          <a:chOff x="0" y="0"/>
-          <a:chExt cx="0" cy="0"/>
-        </a:xfrm>
-      </p:grpSpPr>
-      <p:sp>
-        <p:nvSpPr>
-          <p:cNvPr id="2" name="Nadpis 1"/>
-          <p:cNvSpPr>
-            <a:spLocks noGrp="1"/>
-          </p:cNvSpPr>
-          <p:nvPr>
-            <p:ph type="title"/>
-          </p:nvPr>
-        </p:nvSpPr>
-        <p:spPr/>
-        <p:txBody>
-          <a:bodyPr/>
-          <a:lstStyle/>
-          <a:p>
-            <a:r>
-              <a:rPr lang="cs-CZ" dirty="0" smtClean="0"/>
-              <a:t>Autoři</a:t>
-            </a:r>
-            <a:endParaRPr lang="cs-CZ" dirty="0"/>
-          </a:p>
-        </p:txBody>
-      </p:sp>
-      <p:sp>
-        <p:nvSpPr>
-          <p:cNvPr id="3" name="Zástupný symbol pro obsah 2"/>
-          <p:cNvSpPr>
-            <a:spLocks noGrp="1"/>
-          </p:cNvSpPr>
-          <p:nvPr>
-            <p:ph idx="1"/>
-          </p:nvPr>
-        </p:nvSpPr>
-        <p:spPr/>
-        <p:txBody>
-          <a:bodyPr/>
-          <a:lstStyle/>
-          <a:p>
-            <a:pPr>
-              <a:lnSpc>
-                <a:spcPct val="150000"/>
-              </a:lnSpc>
-            </a:pPr>
-            <a:r>
-              <a:rPr lang="cs-CZ" dirty="0" smtClean="0"/>
-              <a:t>Bc. Michael </a:t>
-            </a:r>
-            <a:r>
-              <a:rPr lang="cs-CZ" dirty="0" err="1" smtClean="0"/>
-              <a:t>Rádl</a:t>
-            </a:r>
-            <a:endParaRPr lang="cs-CZ" dirty="0" smtClean="0"/>
-          </a:p>
-          <a:p>
-            <a:pPr>
-              <a:lnSpc>
-                <a:spcPct val="150000"/>
-              </a:lnSpc>
-            </a:pPr>
-            <a:r>
-              <a:rPr lang="cs-CZ" dirty="0" smtClean="0"/>
-              <a:t>Jakub Matuška</a:t>
-            </a:r>
-          </a:p>
-          <a:p>
-            <a:pPr>
-              <a:lnSpc>
-                <a:spcPct val="150000"/>
-              </a:lnSpc>
-            </a:pPr>
-            <a:r>
-              <a:rPr lang="cs-CZ" dirty="0" smtClean="0"/>
-              <a:t>Lukáš </a:t>
-            </a:r>
-            <a:r>
-              <a:rPr lang="cs-CZ" dirty="0" err="1" smtClean="0"/>
-              <a:t>Findura</a:t>
-            </a:r>
-            <a:endParaRPr lang="cs-CZ" dirty="0" smtClean="0"/>
-          </a:p>
-          <a:p>
-            <a:pPr>
-              <a:lnSpc>
-                <a:spcPct val="150000"/>
-              </a:lnSpc>
-            </a:pPr>
-            <a:r>
-              <a:rPr lang="cs-CZ" dirty="0" smtClean="0"/>
-              <a:t>Jiří Vrbka</a:t>
-            </a:r>
-          </a:p>
-          <a:p>
-            <a:pPr algn="r">
-              <a:lnSpc>
-                <a:spcPct val="150000"/>
-              </a:lnSpc>
-              <a:buNone/>
-            </a:pPr>
-            <a:r>
-              <a:rPr lang="cs-CZ" dirty="0" smtClean="0"/>
-              <a:t>Vedoucí: </a:t>
-            </a:r>
-            <a:r>
-              <a:rPr lang="cs-CZ" i="1" dirty="0" smtClean="0"/>
-              <a:t>Jiří </a:t>
-            </a:r>
-            <a:r>
-              <a:rPr lang="cs-CZ" i="1" dirty="0" err="1" smtClean="0"/>
-              <a:t>Holuša</a:t>
-            </a:r>
-            <a:endParaRPr lang="cs-CZ" dirty="0" smtClean="0"/>
-          </a:p>
-          <a:p>
-            <a:pPr>
-              <a:lnSpc>
-                <a:spcPct val="150000"/>
-              </a:lnSpc>
-            </a:pPr>
-            <a:endParaRPr lang="cs-CZ" dirty="0"/>
-          </a:p>
-        </p:txBody>
-      </p:sp>
-      <p:sp>
-        <p:nvSpPr>
-          <p:cNvPr id="4" name="Zástupný symbol pro zápatí 3"/>
-          <p:cNvSpPr>
-            <a:spLocks noGrp="1"/>
-          </p:cNvSpPr>
-          <p:nvPr>
-            <p:ph type="ftr" sz="quarter" idx="11"/>
-          </p:nvPr>
-        </p:nvSpPr>
-        <p:spPr/>
-        <p:txBody>
-          <a:bodyPr/>
-          <a:lstStyle/>
-          <a:p>
-            <a:r>
-              <a:rPr lang="cs-CZ" smtClean="0"/>
-              <a:t>Bc. Michael Rádl, Jakub Matuška, Lukáš Findura, Jiří Vrbka </a:t>
-            </a:r>
-            <a:endParaRPr lang="cs-CZ"/>
-          </a:p>
-        </p:txBody>
-      </p:sp>
-    </p:spTree>
-  </p:cSld>
-  <p:clrMapOvr>
-    <a:masterClrMapping/>
-  </p:clrMapOvr>
-  <p:timing>
-    <p:tnLst>
-      <p:par>
-        <p:cTn id="1" dur="indefinite" restart="never" nodeType="tmRoot"/>
-      </p:par>
-    </p:tnLst>
-  </p:timing>
-</p:sld>
-</file>
-
-<file path=ppt/slides/slide20.xml><?xml version="1.0" encoding="utf-8"?>
+<file path=ppt/slides/slide21.xml><?xml version="1.0" encoding="utf-8"?>
 <p:sld xmlns:a="http://schemas.openxmlformats.org/drawingml/2006/main" xmlns:r="http://schemas.openxmlformats.org/officeDocument/2006/relationships" xmlns:p="http://schemas.openxmlformats.org/presentationml/2006/main">
   <p:cSld>
     <p:spTree>
@@ -6297,7 +6457,7 @@
 </p:sld>
 </file>
 
-<file path=ppt/slides/slide21.xml><?xml version="1.0" encoding="utf-8"?>
+<file path=ppt/slides/slide22.xml><?xml version="1.0" encoding="utf-8"?>
 <p:sld xmlns:a="http://schemas.openxmlformats.org/drawingml/2006/main" xmlns:r="http://schemas.openxmlformats.org/officeDocument/2006/relationships" xmlns:p="http://schemas.openxmlformats.org/presentationml/2006/main">
   <p:cSld>
     <p:spTree>
@@ -6399,7 +6559,7 @@
 </p:sld>
 </file>
 
-<file path=ppt/slides/slide22.xml><?xml version="1.0" encoding="utf-8"?>
+<file path=ppt/slides/slide23.xml><?xml version="1.0" encoding="utf-8"?>
 <p:sld xmlns:a="http://schemas.openxmlformats.org/drawingml/2006/main" xmlns:r="http://schemas.openxmlformats.org/officeDocument/2006/relationships" xmlns:p="http://schemas.openxmlformats.org/presentationml/2006/main">
   <p:cSld>
     <p:spTree>
